--- a/site/images/電力部門のモデル図.pptx
+++ b/site/images/電力部門のモデル図.pptx
@@ -104,6 +104,11 @@
       </a:defRPr>
     </a:lvl9pPr>
   </p:defaultTextStyle>
+  <p:extLst>
+    <p:ext uri="{EFAFB233-063F-42B5-8137-9DF3F51BA10A}">
+      <p15:sldGuideLst xmlns:p15="http://schemas.microsoft.com/office/powerpoint/2012/main"/>
+    </p:ext>
+  </p:extLst>
 </p:presentation>
 </file>
 
@@ -149,10 +154,9 @@
           </a:lstStyle>
           <a:p>
             <a:r>
-              <a:rPr kumimoji="1" lang="ja-JP" altLang="en-US" smtClean="0"/>
+              <a:rPr kumimoji="1" lang="ja-JP" altLang="en-US"/>
               <a:t>マスター タイトルの書式設定</a:t>
             </a:r>
-            <a:endParaRPr kumimoji="1" lang="ja-JP" altLang="en-US"/>
           </a:p>
         </p:txBody>
       </p:sp>
@@ -214,10 +218,9 @@
           </a:lstStyle>
           <a:p>
             <a:r>
-              <a:rPr kumimoji="1" lang="ja-JP" altLang="en-US" smtClean="0"/>
+              <a:rPr kumimoji="1" lang="ja-JP" altLang="en-US"/>
               <a:t>マスター サブタイトルの書式設定</a:t>
             </a:r>
-            <a:endParaRPr kumimoji="1" lang="ja-JP" altLang="en-US"/>
           </a:p>
         </p:txBody>
       </p:sp>
@@ -332,10 +335,9 @@
           <a:lstStyle/>
           <a:p>
             <a:r>
-              <a:rPr kumimoji="1" lang="ja-JP" altLang="en-US" smtClean="0"/>
+              <a:rPr kumimoji="1" lang="ja-JP" altLang="en-US"/>
               <a:t>マスター タイトルの書式設定</a:t>
             </a:r>
-            <a:endParaRPr kumimoji="1" lang="ja-JP" altLang="en-US"/>
           </a:p>
         </p:txBody>
       </p:sp>
@@ -356,70 +358,69 @@
           <a:p>
             <a:pPr lvl="0"/>
             <a:r>
-              <a:rPr kumimoji="1" lang="ja-JP" altLang="en-US" smtClean="0"/>
+              <a:rPr kumimoji="1" lang="ja-JP" altLang="en-US"/>
               <a:t>マスター テキストの書式設定</a:t>
             </a:r>
           </a:p>
           <a:p>
             <a:pPr lvl="1"/>
             <a:r>
-              <a:rPr kumimoji="1" lang="ja-JP" altLang="en-US" smtClean="0"/>
+              <a:rPr kumimoji="1" lang="ja-JP" altLang="en-US"/>
               <a:t>第 </a:t>
             </a:r>
             <a:r>
-              <a:rPr kumimoji="1" lang="en-US" altLang="ja-JP" smtClean="0"/>
+              <a:rPr kumimoji="1" lang="en-US" altLang="ja-JP"/>
               <a:t>2 </a:t>
             </a:r>
             <a:r>
-              <a:rPr kumimoji="1" lang="ja-JP" altLang="en-US" smtClean="0"/>
+              <a:rPr kumimoji="1" lang="ja-JP" altLang="en-US"/>
               <a:t>レベル</a:t>
             </a:r>
           </a:p>
           <a:p>
             <a:pPr lvl="2"/>
             <a:r>
-              <a:rPr kumimoji="1" lang="ja-JP" altLang="en-US" smtClean="0"/>
+              <a:rPr kumimoji="1" lang="ja-JP" altLang="en-US"/>
               <a:t>第 </a:t>
             </a:r>
             <a:r>
-              <a:rPr kumimoji="1" lang="en-US" altLang="ja-JP" smtClean="0"/>
+              <a:rPr kumimoji="1" lang="en-US" altLang="ja-JP"/>
               <a:t>3 </a:t>
             </a:r>
             <a:r>
-              <a:rPr kumimoji="1" lang="ja-JP" altLang="en-US" smtClean="0"/>
+              <a:rPr kumimoji="1" lang="ja-JP" altLang="en-US"/>
               <a:t>レベル</a:t>
             </a:r>
           </a:p>
           <a:p>
             <a:pPr lvl="3"/>
             <a:r>
-              <a:rPr kumimoji="1" lang="ja-JP" altLang="en-US" smtClean="0"/>
+              <a:rPr kumimoji="1" lang="ja-JP" altLang="en-US"/>
               <a:t>第 </a:t>
             </a:r>
             <a:r>
-              <a:rPr kumimoji="1" lang="en-US" altLang="ja-JP" smtClean="0"/>
+              <a:rPr kumimoji="1" lang="en-US" altLang="ja-JP"/>
               <a:t>4 </a:t>
             </a:r>
             <a:r>
-              <a:rPr kumimoji="1" lang="ja-JP" altLang="en-US" smtClean="0"/>
+              <a:rPr kumimoji="1" lang="ja-JP" altLang="en-US"/>
               <a:t>レベル</a:t>
             </a:r>
           </a:p>
           <a:p>
             <a:pPr lvl="4"/>
             <a:r>
-              <a:rPr kumimoji="1" lang="ja-JP" altLang="en-US" smtClean="0"/>
+              <a:rPr kumimoji="1" lang="ja-JP" altLang="en-US"/>
               <a:t>第 </a:t>
             </a:r>
             <a:r>
-              <a:rPr kumimoji="1" lang="en-US" altLang="ja-JP" smtClean="0"/>
+              <a:rPr kumimoji="1" lang="en-US" altLang="ja-JP"/>
               <a:t>5 </a:t>
             </a:r>
             <a:r>
-              <a:rPr kumimoji="1" lang="ja-JP" altLang="en-US" smtClean="0"/>
+              <a:rPr kumimoji="1" lang="ja-JP" altLang="en-US"/>
               <a:t>レベル</a:t>
             </a:r>
-            <a:endParaRPr kumimoji="1" lang="ja-JP" altLang="en-US"/>
           </a:p>
         </p:txBody>
       </p:sp>
@@ -539,10 +540,9 @@
           <a:lstStyle/>
           <a:p>
             <a:r>
-              <a:rPr kumimoji="1" lang="ja-JP" altLang="en-US" smtClean="0"/>
+              <a:rPr kumimoji="1" lang="ja-JP" altLang="en-US"/>
               <a:t>マスター タイトルの書式設定</a:t>
             </a:r>
-            <a:endParaRPr kumimoji="1" lang="ja-JP" altLang="en-US"/>
           </a:p>
         </p:txBody>
       </p:sp>
@@ -568,70 +568,69 @@
           <a:p>
             <a:pPr lvl="0"/>
             <a:r>
-              <a:rPr kumimoji="1" lang="ja-JP" altLang="en-US" smtClean="0"/>
+              <a:rPr kumimoji="1" lang="ja-JP" altLang="en-US"/>
               <a:t>マスター テキストの書式設定</a:t>
             </a:r>
           </a:p>
           <a:p>
             <a:pPr lvl="1"/>
             <a:r>
-              <a:rPr kumimoji="1" lang="ja-JP" altLang="en-US" smtClean="0"/>
+              <a:rPr kumimoji="1" lang="ja-JP" altLang="en-US"/>
               <a:t>第 </a:t>
             </a:r>
             <a:r>
-              <a:rPr kumimoji="1" lang="en-US" altLang="ja-JP" smtClean="0"/>
+              <a:rPr kumimoji="1" lang="en-US" altLang="ja-JP"/>
               <a:t>2 </a:t>
             </a:r>
             <a:r>
-              <a:rPr kumimoji="1" lang="ja-JP" altLang="en-US" smtClean="0"/>
+              <a:rPr kumimoji="1" lang="ja-JP" altLang="en-US"/>
               <a:t>レベル</a:t>
             </a:r>
           </a:p>
           <a:p>
             <a:pPr lvl="2"/>
             <a:r>
-              <a:rPr kumimoji="1" lang="ja-JP" altLang="en-US" smtClean="0"/>
+              <a:rPr kumimoji="1" lang="ja-JP" altLang="en-US"/>
               <a:t>第 </a:t>
             </a:r>
             <a:r>
-              <a:rPr kumimoji="1" lang="en-US" altLang="ja-JP" smtClean="0"/>
+              <a:rPr kumimoji="1" lang="en-US" altLang="ja-JP"/>
               <a:t>3 </a:t>
             </a:r>
             <a:r>
-              <a:rPr kumimoji="1" lang="ja-JP" altLang="en-US" smtClean="0"/>
+              <a:rPr kumimoji="1" lang="ja-JP" altLang="en-US"/>
               <a:t>レベル</a:t>
             </a:r>
           </a:p>
           <a:p>
             <a:pPr lvl="3"/>
             <a:r>
-              <a:rPr kumimoji="1" lang="ja-JP" altLang="en-US" smtClean="0"/>
+              <a:rPr kumimoji="1" lang="ja-JP" altLang="en-US"/>
               <a:t>第 </a:t>
             </a:r>
             <a:r>
-              <a:rPr kumimoji="1" lang="en-US" altLang="ja-JP" smtClean="0"/>
+              <a:rPr kumimoji="1" lang="en-US" altLang="ja-JP"/>
               <a:t>4 </a:t>
             </a:r>
             <a:r>
-              <a:rPr kumimoji="1" lang="ja-JP" altLang="en-US" smtClean="0"/>
+              <a:rPr kumimoji="1" lang="ja-JP" altLang="en-US"/>
               <a:t>レベル</a:t>
             </a:r>
           </a:p>
           <a:p>
             <a:pPr lvl="4"/>
             <a:r>
-              <a:rPr kumimoji="1" lang="ja-JP" altLang="en-US" smtClean="0"/>
+              <a:rPr kumimoji="1" lang="ja-JP" altLang="en-US"/>
               <a:t>第 </a:t>
             </a:r>
             <a:r>
-              <a:rPr kumimoji="1" lang="en-US" altLang="ja-JP" smtClean="0"/>
+              <a:rPr kumimoji="1" lang="en-US" altLang="ja-JP"/>
               <a:t>5 </a:t>
             </a:r>
             <a:r>
-              <a:rPr kumimoji="1" lang="ja-JP" altLang="en-US" smtClean="0"/>
+              <a:rPr kumimoji="1" lang="ja-JP" altLang="en-US"/>
               <a:t>レベル</a:t>
             </a:r>
-            <a:endParaRPr kumimoji="1" lang="ja-JP" altLang="en-US"/>
           </a:p>
         </p:txBody>
       </p:sp>
@@ -746,10 +745,9 @@
           <a:lstStyle/>
           <a:p>
             <a:r>
-              <a:rPr kumimoji="1" lang="ja-JP" altLang="en-US" smtClean="0"/>
+              <a:rPr kumimoji="1" lang="ja-JP" altLang="en-US"/>
               <a:t>マスター タイトルの書式設定</a:t>
             </a:r>
-            <a:endParaRPr kumimoji="1" lang="ja-JP" altLang="en-US"/>
           </a:p>
         </p:txBody>
       </p:sp>
@@ -770,70 +768,69 @@
           <a:p>
             <a:pPr lvl="0"/>
             <a:r>
-              <a:rPr kumimoji="1" lang="ja-JP" altLang="en-US" smtClean="0"/>
+              <a:rPr kumimoji="1" lang="ja-JP" altLang="en-US"/>
               <a:t>マスター テキストの書式設定</a:t>
             </a:r>
           </a:p>
           <a:p>
             <a:pPr lvl="1"/>
             <a:r>
-              <a:rPr kumimoji="1" lang="ja-JP" altLang="en-US" smtClean="0"/>
+              <a:rPr kumimoji="1" lang="ja-JP" altLang="en-US"/>
               <a:t>第 </a:t>
             </a:r>
             <a:r>
-              <a:rPr kumimoji="1" lang="en-US" altLang="ja-JP" smtClean="0"/>
+              <a:rPr kumimoji="1" lang="en-US" altLang="ja-JP"/>
               <a:t>2 </a:t>
             </a:r>
             <a:r>
-              <a:rPr kumimoji="1" lang="ja-JP" altLang="en-US" smtClean="0"/>
+              <a:rPr kumimoji="1" lang="ja-JP" altLang="en-US"/>
               <a:t>レベル</a:t>
             </a:r>
           </a:p>
           <a:p>
             <a:pPr lvl="2"/>
             <a:r>
-              <a:rPr kumimoji="1" lang="ja-JP" altLang="en-US" smtClean="0"/>
+              <a:rPr kumimoji="1" lang="ja-JP" altLang="en-US"/>
               <a:t>第 </a:t>
             </a:r>
             <a:r>
-              <a:rPr kumimoji="1" lang="en-US" altLang="ja-JP" smtClean="0"/>
+              <a:rPr kumimoji="1" lang="en-US" altLang="ja-JP"/>
               <a:t>3 </a:t>
             </a:r>
             <a:r>
-              <a:rPr kumimoji="1" lang="ja-JP" altLang="en-US" smtClean="0"/>
+              <a:rPr kumimoji="1" lang="ja-JP" altLang="en-US"/>
               <a:t>レベル</a:t>
             </a:r>
           </a:p>
           <a:p>
             <a:pPr lvl="3"/>
             <a:r>
-              <a:rPr kumimoji="1" lang="ja-JP" altLang="en-US" smtClean="0"/>
+              <a:rPr kumimoji="1" lang="ja-JP" altLang="en-US"/>
               <a:t>第 </a:t>
             </a:r>
             <a:r>
-              <a:rPr kumimoji="1" lang="en-US" altLang="ja-JP" smtClean="0"/>
+              <a:rPr kumimoji="1" lang="en-US" altLang="ja-JP"/>
               <a:t>4 </a:t>
             </a:r>
             <a:r>
-              <a:rPr kumimoji="1" lang="ja-JP" altLang="en-US" smtClean="0"/>
+              <a:rPr kumimoji="1" lang="ja-JP" altLang="en-US"/>
               <a:t>レベル</a:t>
             </a:r>
           </a:p>
           <a:p>
             <a:pPr lvl="4"/>
             <a:r>
-              <a:rPr kumimoji="1" lang="ja-JP" altLang="en-US" smtClean="0"/>
+              <a:rPr kumimoji="1" lang="ja-JP" altLang="en-US"/>
               <a:t>第 </a:t>
             </a:r>
             <a:r>
-              <a:rPr kumimoji="1" lang="en-US" altLang="ja-JP" smtClean="0"/>
+              <a:rPr kumimoji="1" lang="en-US" altLang="ja-JP"/>
               <a:t>5 </a:t>
             </a:r>
             <a:r>
-              <a:rPr kumimoji="1" lang="ja-JP" altLang="en-US" smtClean="0"/>
+              <a:rPr kumimoji="1" lang="ja-JP" altLang="en-US"/>
               <a:t>レベル</a:t>
             </a:r>
-            <a:endParaRPr kumimoji="1" lang="ja-JP" altLang="en-US"/>
           </a:p>
         </p:txBody>
       </p:sp>
@@ -957,10 +954,9 @@
           </a:lstStyle>
           <a:p>
             <a:r>
-              <a:rPr kumimoji="1" lang="ja-JP" altLang="en-US" smtClean="0"/>
+              <a:rPr kumimoji="1" lang="ja-JP" altLang="en-US"/>
               <a:t>マスター タイトルの書式設定</a:t>
             </a:r>
-            <a:endParaRPr kumimoji="1" lang="ja-JP" altLang="en-US"/>
           </a:p>
         </p:txBody>
       </p:sp>
@@ -1077,7 +1073,7 @@
           <a:p>
             <a:pPr lvl="0"/>
             <a:r>
-              <a:rPr kumimoji="1" lang="ja-JP" altLang="en-US" smtClean="0"/>
+              <a:rPr kumimoji="1" lang="ja-JP" altLang="en-US"/>
               <a:t>マスター テキストの書式設定</a:t>
             </a:r>
           </a:p>
@@ -1194,10 +1190,9 @@
           <a:lstStyle/>
           <a:p>
             <a:r>
-              <a:rPr kumimoji="1" lang="ja-JP" altLang="en-US" smtClean="0"/>
+              <a:rPr kumimoji="1" lang="ja-JP" altLang="en-US"/>
               <a:t>マスター タイトルの書式設定</a:t>
             </a:r>
-            <a:endParaRPr kumimoji="1" lang="ja-JP" altLang="en-US"/>
           </a:p>
         </p:txBody>
       </p:sp>
@@ -1223,70 +1218,69 @@
           <a:p>
             <a:pPr lvl="0"/>
             <a:r>
-              <a:rPr kumimoji="1" lang="ja-JP" altLang="en-US" smtClean="0"/>
+              <a:rPr kumimoji="1" lang="ja-JP" altLang="en-US"/>
               <a:t>マスター テキストの書式設定</a:t>
             </a:r>
           </a:p>
           <a:p>
             <a:pPr lvl="1"/>
             <a:r>
-              <a:rPr kumimoji="1" lang="ja-JP" altLang="en-US" smtClean="0"/>
+              <a:rPr kumimoji="1" lang="ja-JP" altLang="en-US"/>
               <a:t>第 </a:t>
             </a:r>
             <a:r>
-              <a:rPr kumimoji="1" lang="en-US" altLang="ja-JP" smtClean="0"/>
+              <a:rPr kumimoji="1" lang="en-US" altLang="ja-JP"/>
               <a:t>2 </a:t>
             </a:r>
             <a:r>
-              <a:rPr kumimoji="1" lang="ja-JP" altLang="en-US" smtClean="0"/>
+              <a:rPr kumimoji="1" lang="ja-JP" altLang="en-US"/>
               <a:t>レベル</a:t>
             </a:r>
           </a:p>
           <a:p>
             <a:pPr lvl="2"/>
             <a:r>
-              <a:rPr kumimoji="1" lang="ja-JP" altLang="en-US" smtClean="0"/>
+              <a:rPr kumimoji="1" lang="ja-JP" altLang="en-US"/>
               <a:t>第 </a:t>
             </a:r>
             <a:r>
-              <a:rPr kumimoji="1" lang="en-US" altLang="ja-JP" smtClean="0"/>
+              <a:rPr kumimoji="1" lang="en-US" altLang="ja-JP"/>
               <a:t>3 </a:t>
             </a:r>
             <a:r>
-              <a:rPr kumimoji="1" lang="ja-JP" altLang="en-US" smtClean="0"/>
+              <a:rPr kumimoji="1" lang="ja-JP" altLang="en-US"/>
               <a:t>レベル</a:t>
             </a:r>
           </a:p>
           <a:p>
             <a:pPr lvl="3"/>
             <a:r>
-              <a:rPr kumimoji="1" lang="ja-JP" altLang="en-US" smtClean="0"/>
+              <a:rPr kumimoji="1" lang="ja-JP" altLang="en-US"/>
               <a:t>第 </a:t>
             </a:r>
             <a:r>
-              <a:rPr kumimoji="1" lang="en-US" altLang="ja-JP" smtClean="0"/>
+              <a:rPr kumimoji="1" lang="en-US" altLang="ja-JP"/>
               <a:t>4 </a:t>
             </a:r>
             <a:r>
-              <a:rPr kumimoji="1" lang="ja-JP" altLang="en-US" smtClean="0"/>
+              <a:rPr kumimoji="1" lang="ja-JP" altLang="en-US"/>
               <a:t>レベル</a:t>
             </a:r>
           </a:p>
           <a:p>
             <a:pPr lvl="4"/>
             <a:r>
-              <a:rPr kumimoji="1" lang="ja-JP" altLang="en-US" smtClean="0"/>
+              <a:rPr kumimoji="1" lang="ja-JP" altLang="en-US"/>
               <a:t>第 </a:t>
             </a:r>
             <a:r>
-              <a:rPr kumimoji="1" lang="en-US" altLang="ja-JP" smtClean="0"/>
+              <a:rPr kumimoji="1" lang="en-US" altLang="ja-JP"/>
               <a:t>5 </a:t>
             </a:r>
             <a:r>
-              <a:rPr kumimoji="1" lang="ja-JP" altLang="en-US" smtClean="0"/>
+              <a:rPr kumimoji="1" lang="ja-JP" altLang="en-US"/>
               <a:t>レベル</a:t>
             </a:r>
-            <a:endParaRPr kumimoji="1" lang="ja-JP" altLang="en-US"/>
           </a:p>
         </p:txBody>
       </p:sp>
@@ -1312,70 +1306,69 @@
           <a:p>
             <a:pPr lvl="0"/>
             <a:r>
-              <a:rPr kumimoji="1" lang="ja-JP" altLang="en-US" smtClean="0"/>
+              <a:rPr kumimoji="1" lang="ja-JP" altLang="en-US"/>
               <a:t>マスター テキストの書式設定</a:t>
             </a:r>
           </a:p>
           <a:p>
             <a:pPr lvl="1"/>
             <a:r>
-              <a:rPr kumimoji="1" lang="ja-JP" altLang="en-US" smtClean="0"/>
+              <a:rPr kumimoji="1" lang="ja-JP" altLang="en-US"/>
               <a:t>第 </a:t>
             </a:r>
             <a:r>
-              <a:rPr kumimoji="1" lang="en-US" altLang="ja-JP" smtClean="0"/>
+              <a:rPr kumimoji="1" lang="en-US" altLang="ja-JP"/>
               <a:t>2 </a:t>
             </a:r>
             <a:r>
-              <a:rPr kumimoji="1" lang="ja-JP" altLang="en-US" smtClean="0"/>
+              <a:rPr kumimoji="1" lang="ja-JP" altLang="en-US"/>
               <a:t>レベル</a:t>
             </a:r>
           </a:p>
           <a:p>
             <a:pPr lvl="2"/>
             <a:r>
-              <a:rPr kumimoji="1" lang="ja-JP" altLang="en-US" smtClean="0"/>
+              <a:rPr kumimoji="1" lang="ja-JP" altLang="en-US"/>
               <a:t>第 </a:t>
             </a:r>
             <a:r>
-              <a:rPr kumimoji="1" lang="en-US" altLang="ja-JP" smtClean="0"/>
+              <a:rPr kumimoji="1" lang="en-US" altLang="ja-JP"/>
               <a:t>3 </a:t>
             </a:r>
             <a:r>
-              <a:rPr kumimoji="1" lang="ja-JP" altLang="en-US" smtClean="0"/>
+              <a:rPr kumimoji="1" lang="ja-JP" altLang="en-US"/>
               <a:t>レベル</a:t>
             </a:r>
           </a:p>
           <a:p>
             <a:pPr lvl="3"/>
             <a:r>
-              <a:rPr kumimoji="1" lang="ja-JP" altLang="en-US" smtClean="0"/>
+              <a:rPr kumimoji="1" lang="ja-JP" altLang="en-US"/>
               <a:t>第 </a:t>
             </a:r>
             <a:r>
-              <a:rPr kumimoji="1" lang="en-US" altLang="ja-JP" smtClean="0"/>
+              <a:rPr kumimoji="1" lang="en-US" altLang="ja-JP"/>
               <a:t>4 </a:t>
             </a:r>
             <a:r>
-              <a:rPr kumimoji="1" lang="ja-JP" altLang="en-US" smtClean="0"/>
+              <a:rPr kumimoji="1" lang="ja-JP" altLang="en-US"/>
               <a:t>レベル</a:t>
             </a:r>
           </a:p>
           <a:p>
             <a:pPr lvl="4"/>
             <a:r>
-              <a:rPr kumimoji="1" lang="ja-JP" altLang="en-US" smtClean="0"/>
+              <a:rPr kumimoji="1" lang="ja-JP" altLang="en-US"/>
               <a:t>第 </a:t>
             </a:r>
             <a:r>
-              <a:rPr kumimoji="1" lang="en-US" altLang="ja-JP" smtClean="0"/>
+              <a:rPr kumimoji="1" lang="en-US" altLang="ja-JP"/>
               <a:t>5 </a:t>
             </a:r>
             <a:r>
-              <a:rPr kumimoji="1" lang="ja-JP" altLang="en-US" smtClean="0"/>
+              <a:rPr kumimoji="1" lang="ja-JP" altLang="en-US"/>
               <a:t>レベル</a:t>
             </a:r>
-            <a:endParaRPr kumimoji="1" lang="ja-JP" altLang="en-US"/>
           </a:p>
         </p:txBody>
       </p:sp>
@@ -1495,10 +1488,9 @@
           <a:lstStyle/>
           <a:p>
             <a:r>
-              <a:rPr kumimoji="1" lang="ja-JP" altLang="en-US" smtClean="0"/>
+              <a:rPr kumimoji="1" lang="ja-JP" altLang="en-US"/>
               <a:t>マスター タイトルの書式設定</a:t>
             </a:r>
-            <a:endParaRPr kumimoji="1" lang="ja-JP" altLang="en-US"/>
           </a:p>
         </p:txBody>
       </p:sp>
@@ -1561,7 +1553,7 @@
           <a:p>
             <a:pPr lvl="0"/>
             <a:r>
-              <a:rPr kumimoji="1" lang="ja-JP" altLang="en-US" smtClean="0"/>
+              <a:rPr kumimoji="1" lang="ja-JP" altLang="en-US"/>
               <a:t>マスター テキストの書式設定</a:t>
             </a:r>
           </a:p>
@@ -1589,70 +1581,69 @@
           <a:p>
             <a:pPr lvl="0"/>
             <a:r>
-              <a:rPr kumimoji="1" lang="ja-JP" altLang="en-US" smtClean="0"/>
+              <a:rPr kumimoji="1" lang="ja-JP" altLang="en-US"/>
               <a:t>マスター テキストの書式設定</a:t>
             </a:r>
           </a:p>
           <a:p>
             <a:pPr lvl="1"/>
             <a:r>
-              <a:rPr kumimoji="1" lang="ja-JP" altLang="en-US" smtClean="0"/>
+              <a:rPr kumimoji="1" lang="ja-JP" altLang="en-US"/>
               <a:t>第 </a:t>
             </a:r>
             <a:r>
-              <a:rPr kumimoji="1" lang="en-US" altLang="ja-JP" smtClean="0"/>
+              <a:rPr kumimoji="1" lang="en-US" altLang="ja-JP"/>
               <a:t>2 </a:t>
             </a:r>
             <a:r>
-              <a:rPr kumimoji="1" lang="ja-JP" altLang="en-US" smtClean="0"/>
+              <a:rPr kumimoji="1" lang="ja-JP" altLang="en-US"/>
               <a:t>レベル</a:t>
             </a:r>
           </a:p>
           <a:p>
             <a:pPr lvl="2"/>
             <a:r>
-              <a:rPr kumimoji="1" lang="ja-JP" altLang="en-US" smtClean="0"/>
+              <a:rPr kumimoji="1" lang="ja-JP" altLang="en-US"/>
               <a:t>第 </a:t>
             </a:r>
             <a:r>
-              <a:rPr kumimoji="1" lang="en-US" altLang="ja-JP" smtClean="0"/>
+              <a:rPr kumimoji="1" lang="en-US" altLang="ja-JP"/>
               <a:t>3 </a:t>
             </a:r>
             <a:r>
-              <a:rPr kumimoji="1" lang="ja-JP" altLang="en-US" smtClean="0"/>
+              <a:rPr kumimoji="1" lang="ja-JP" altLang="en-US"/>
               <a:t>レベル</a:t>
             </a:r>
           </a:p>
           <a:p>
             <a:pPr lvl="3"/>
             <a:r>
-              <a:rPr kumimoji="1" lang="ja-JP" altLang="en-US" smtClean="0"/>
+              <a:rPr kumimoji="1" lang="ja-JP" altLang="en-US"/>
               <a:t>第 </a:t>
             </a:r>
             <a:r>
-              <a:rPr kumimoji="1" lang="en-US" altLang="ja-JP" smtClean="0"/>
+              <a:rPr kumimoji="1" lang="en-US" altLang="ja-JP"/>
               <a:t>4 </a:t>
             </a:r>
             <a:r>
-              <a:rPr kumimoji="1" lang="ja-JP" altLang="en-US" smtClean="0"/>
+              <a:rPr kumimoji="1" lang="ja-JP" altLang="en-US"/>
               <a:t>レベル</a:t>
             </a:r>
           </a:p>
           <a:p>
             <a:pPr lvl="4"/>
             <a:r>
-              <a:rPr kumimoji="1" lang="ja-JP" altLang="en-US" smtClean="0"/>
+              <a:rPr kumimoji="1" lang="ja-JP" altLang="en-US"/>
               <a:t>第 </a:t>
             </a:r>
             <a:r>
-              <a:rPr kumimoji="1" lang="en-US" altLang="ja-JP" smtClean="0"/>
+              <a:rPr kumimoji="1" lang="en-US" altLang="ja-JP"/>
               <a:t>5 </a:t>
             </a:r>
             <a:r>
-              <a:rPr kumimoji="1" lang="ja-JP" altLang="en-US" smtClean="0"/>
+              <a:rPr kumimoji="1" lang="ja-JP" altLang="en-US"/>
               <a:t>レベル</a:t>
             </a:r>
-            <a:endParaRPr kumimoji="1" lang="ja-JP" altLang="en-US"/>
           </a:p>
         </p:txBody>
       </p:sp>
@@ -1715,7 +1706,7 @@
           <a:p>
             <a:pPr lvl="0"/>
             <a:r>
-              <a:rPr kumimoji="1" lang="ja-JP" altLang="en-US" smtClean="0"/>
+              <a:rPr kumimoji="1" lang="ja-JP" altLang="en-US"/>
               <a:t>マスター テキストの書式設定</a:t>
             </a:r>
           </a:p>
@@ -1743,70 +1734,69 @@
           <a:p>
             <a:pPr lvl="0"/>
             <a:r>
-              <a:rPr kumimoji="1" lang="ja-JP" altLang="en-US" smtClean="0"/>
+              <a:rPr kumimoji="1" lang="ja-JP" altLang="en-US"/>
               <a:t>マスター テキストの書式設定</a:t>
             </a:r>
           </a:p>
           <a:p>
             <a:pPr lvl="1"/>
             <a:r>
-              <a:rPr kumimoji="1" lang="ja-JP" altLang="en-US" smtClean="0"/>
+              <a:rPr kumimoji="1" lang="ja-JP" altLang="en-US"/>
               <a:t>第 </a:t>
             </a:r>
             <a:r>
-              <a:rPr kumimoji="1" lang="en-US" altLang="ja-JP" smtClean="0"/>
+              <a:rPr kumimoji="1" lang="en-US" altLang="ja-JP"/>
               <a:t>2 </a:t>
             </a:r>
             <a:r>
-              <a:rPr kumimoji="1" lang="ja-JP" altLang="en-US" smtClean="0"/>
+              <a:rPr kumimoji="1" lang="ja-JP" altLang="en-US"/>
               <a:t>レベル</a:t>
             </a:r>
           </a:p>
           <a:p>
             <a:pPr lvl="2"/>
             <a:r>
-              <a:rPr kumimoji="1" lang="ja-JP" altLang="en-US" smtClean="0"/>
+              <a:rPr kumimoji="1" lang="ja-JP" altLang="en-US"/>
               <a:t>第 </a:t>
             </a:r>
             <a:r>
-              <a:rPr kumimoji="1" lang="en-US" altLang="ja-JP" smtClean="0"/>
+              <a:rPr kumimoji="1" lang="en-US" altLang="ja-JP"/>
               <a:t>3 </a:t>
             </a:r>
             <a:r>
-              <a:rPr kumimoji="1" lang="ja-JP" altLang="en-US" smtClean="0"/>
+              <a:rPr kumimoji="1" lang="ja-JP" altLang="en-US"/>
               <a:t>レベル</a:t>
             </a:r>
           </a:p>
           <a:p>
             <a:pPr lvl="3"/>
             <a:r>
-              <a:rPr kumimoji="1" lang="ja-JP" altLang="en-US" smtClean="0"/>
+              <a:rPr kumimoji="1" lang="ja-JP" altLang="en-US"/>
               <a:t>第 </a:t>
             </a:r>
             <a:r>
-              <a:rPr kumimoji="1" lang="en-US" altLang="ja-JP" smtClean="0"/>
+              <a:rPr kumimoji="1" lang="en-US" altLang="ja-JP"/>
               <a:t>4 </a:t>
             </a:r>
             <a:r>
-              <a:rPr kumimoji="1" lang="ja-JP" altLang="en-US" smtClean="0"/>
+              <a:rPr kumimoji="1" lang="ja-JP" altLang="en-US"/>
               <a:t>レベル</a:t>
             </a:r>
           </a:p>
           <a:p>
             <a:pPr lvl="4"/>
             <a:r>
-              <a:rPr kumimoji="1" lang="ja-JP" altLang="en-US" smtClean="0"/>
+              <a:rPr kumimoji="1" lang="ja-JP" altLang="en-US"/>
               <a:t>第 </a:t>
             </a:r>
             <a:r>
-              <a:rPr kumimoji="1" lang="en-US" altLang="ja-JP" smtClean="0"/>
+              <a:rPr kumimoji="1" lang="en-US" altLang="ja-JP"/>
               <a:t>5 </a:t>
             </a:r>
             <a:r>
-              <a:rPr kumimoji="1" lang="ja-JP" altLang="en-US" smtClean="0"/>
+              <a:rPr kumimoji="1" lang="ja-JP" altLang="en-US"/>
               <a:t>レベル</a:t>
             </a:r>
-            <a:endParaRPr kumimoji="1" lang="ja-JP" altLang="en-US"/>
           </a:p>
         </p:txBody>
       </p:sp>
@@ -1921,10 +1911,9 @@
           <a:lstStyle/>
           <a:p>
             <a:r>
-              <a:rPr kumimoji="1" lang="ja-JP" altLang="en-US" smtClean="0"/>
+              <a:rPr kumimoji="1" lang="ja-JP" altLang="en-US"/>
               <a:t>マスター タイトルの書式設定</a:t>
             </a:r>
-            <a:endParaRPr kumimoji="1" lang="ja-JP" altLang="en-US"/>
           </a:p>
         </p:txBody>
       </p:sp>
@@ -2143,10 +2132,9 @@
           </a:lstStyle>
           <a:p>
             <a:r>
-              <a:rPr kumimoji="1" lang="ja-JP" altLang="en-US" smtClean="0"/>
+              <a:rPr kumimoji="1" lang="ja-JP" altLang="en-US"/>
               <a:t>マスター タイトルの書式設定</a:t>
             </a:r>
-            <a:endParaRPr kumimoji="1" lang="ja-JP" altLang="en-US"/>
           </a:p>
         </p:txBody>
       </p:sp>
@@ -2200,70 +2188,69 @@
           <a:p>
             <a:pPr lvl="0"/>
             <a:r>
-              <a:rPr kumimoji="1" lang="ja-JP" altLang="en-US" smtClean="0"/>
+              <a:rPr kumimoji="1" lang="ja-JP" altLang="en-US"/>
               <a:t>マスター テキストの書式設定</a:t>
             </a:r>
           </a:p>
           <a:p>
             <a:pPr lvl="1"/>
             <a:r>
-              <a:rPr kumimoji="1" lang="ja-JP" altLang="en-US" smtClean="0"/>
+              <a:rPr kumimoji="1" lang="ja-JP" altLang="en-US"/>
               <a:t>第 </a:t>
             </a:r>
             <a:r>
-              <a:rPr kumimoji="1" lang="en-US" altLang="ja-JP" smtClean="0"/>
+              <a:rPr kumimoji="1" lang="en-US" altLang="ja-JP"/>
               <a:t>2 </a:t>
             </a:r>
             <a:r>
-              <a:rPr kumimoji="1" lang="ja-JP" altLang="en-US" smtClean="0"/>
+              <a:rPr kumimoji="1" lang="ja-JP" altLang="en-US"/>
               <a:t>レベル</a:t>
             </a:r>
           </a:p>
           <a:p>
             <a:pPr lvl="2"/>
             <a:r>
-              <a:rPr kumimoji="1" lang="ja-JP" altLang="en-US" smtClean="0"/>
+              <a:rPr kumimoji="1" lang="ja-JP" altLang="en-US"/>
               <a:t>第 </a:t>
             </a:r>
             <a:r>
-              <a:rPr kumimoji="1" lang="en-US" altLang="ja-JP" smtClean="0"/>
+              <a:rPr kumimoji="1" lang="en-US" altLang="ja-JP"/>
               <a:t>3 </a:t>
             </a:r>
             <a:r>
-              <a:rPr kumimoji="1" lang="ja-JP" altLang="en-US" smtClean="0"/>
+              <a:rPr kumimoji="1" lang="ja-JP" altLang="en-US"/>
               <a:t>レベル</a:t>
             </a:r>
           </a:p>
           <a:p>
             <a:pPr lvl="3"/>
             <a:r>
-              <a:rPr kumimoji="1" lang="ja-JP" altLang="en-US" smtClean="0"/>
+              <a:rPr kumimoji="1" lang="ja-JP" altLang="en-US"/>
               <a:t>第 </a:t>
             </a:r>
             <a:r>
-              <a:rPr kumimoji="1" lang="en-US" altLang="ja-JP" smtClean="0"/>
+              <a:rPr kumimoji="1" lang="en-US" altLang="ja-JP"/>
               <a:t>4 </a:t>
             </a:r>
             <a:r>
-              <a:rPr kumimoji="1" lang="ja-JP" altLang="en-US" smtClean="0"/>
+              <a:rPr kumimoji="1" lang="ja-JP" altLang="en-US"/>
               <a:t>レベル</a:t>
             </a:r>
           </a:p>
           <a:p>
             <a:pPr lvl="4"/>
             <a:r>
-              <a:rPr kumimoji="1" lang="ja-JP" altLang="en-US" smtClean="0"/>
+              <a:rPr kumimoji="1" lang="ja-JP" altLang="en-US"/>
               <a:t>第 </a:t>
             </a:r>
             <a:r>
-              <a:rPr kumimoji="1" lang="en-US" altLang="ja-JP" smtClean="0"/>
+              <a:rPr kumimoji="1" lang="en-US" altLang="ja-JP"/>
               <a:t>5 </a:t>
             </a:r>
             <a:r>
-              <a:rPr kumimoji="1" lang="ja-JP" altLang="en-US" smtClean="0"/>
+              <a:rPr kumimoji="1" lang="ja-JP" altLang="en-US"/>
               <a:t>レベル</a:t>
             </a:r>
-            <a:endParaRPr kumimoji="1" lang="ja-JP" altLang="en-US"/>
           </a:p>
         </p:txBody>
       </p:sp>
@@ -2326,7 +2313,7 @@
           <a:p>
             <a:pPr lvl="0"/>
             <a:r>
-              <a:rPr kumimoji="1" lang="ja-JP" altLang="en-US" smtClean="0"/>
+              <a:rPr kumimoji="1" lang="ja-JP" altLang="en-US"/>
               <a:t>マスター テキストの書式設定</a:t>
             </a:r>
           </a:p>
@@ -2452,10 +2439,9 @@
           </a:lstStyle>
           <a:p>
             <a:r>
-              <a:rPr kumimoji="1" lang="ja-JP" altLang="en-US" smtClean="0"/>
+              <a:rPr kumimoji="1" lang="ja-JP" altLang="en-US"/>
               <a:t>マスター タイトルの書式設定</a:t>
             </a:r>
-            <a:endParaRPr kumimoji="1" lang="ja-JP" altLang="en-US"/>
           </a:p>
         </p:txBody>
       </p:sp>
@@ -2579,7 +2565,7 @@
           <a:p>
             <a:pPr lvl="0"/>
             <a:r>
-              <a:rPr kumimoji="1" lang="ja-JP" altLang="en-US" smtClean="0"/>
+              <a:rPr kumimoji="1" lang="ja-JP" altLang="en-US"/>
               <a:t>マスター テキストの書式設定</a:t>
             </a:r>
           </a:p>
@@ -2711,10 +2697,9 @@
           <a:lstStyle/>
           <a:p>
             <a:r>
-              <a:rPr kumimoji="1" lang="ja-JP" altLang="en-US" smtClean="0"/>
+              <a:rPr kumimoji="1" lang="ja-JP" altLang="en-US"/>
               <a:t>マスター タイトルの書式設定</a:t>
             </a:r>
-            <a:endParaRPr kumimoji="1" lang="ja-JP" altLang="en-US"/>
           </a:p>
         </p:txBody>
       </p:sp>
@@ -2745,70 +2730,69 @@
           <a:p>
             <a:pPr lvl="0"/>
             <a:r>
-              <a:rPr kumimoji="1" lang="ja-JP" altLang="en-US" smtClean="0"/>
+              <a:rPr kumimoji="1" lang="ja-JP" altLang="en-US"/>
               <a:t>マスター テキストの書式設定</a:t>
             </a:r>
           </a:p>
           <a:p>
             <a:pPr lvl="1"/>
             <a:r>
-              <a:rPr kumimoji="1" lang="ja-JP" altLang="en-US" smtClean="0"/>
+              <a:rPr kumimoji="1" lang="ja-JP" altLang="en-US"/>
               <a:t>第 </a:t>
             </a:r>
             <a:r>
-              <a:rPr kumimoji="1" lang="en-US" altLang="ja-JP" smtClean="0"/>
+              <a:rPr kumimoji="1" lang="en-US" altLang="ja-JP"/>
               <a:t>2 </a:t>
             </a:r>
             <a:r>
-              <a:rPr kumimoji="1" lang="ja-JP" altLang="en-US" smtClean="0"/>
+              <a:rPr kumimoji="1" lang="ja-JP" altLang="en-US"/>
               <a:t>レベル</a:t>
             </a:r>
           </a:p>
           <a:p>
             <a:pPr lvl="2"/>
             <a:r>
-              <a:rPr kumimoji="1" lang="ja-JP" altLang="en-US" smtClean="0"/>
+              <a:rPr kumimoji="1" lang="ja-JP" altLang="en-US"/>
               <a:t>第 </a:t>
             </a:r>
             <a:r>
-              <a:rPr kumimoji="1" lang="en-US" altLang="ja-JP" smtClean="0"/>
+              <a:rPr kumimoji="1" lang="en-US" altLang="ja-JP"/>
               <a:t>3 </a:t>
             </a:r>
             <a:r>
-              <a:rPr kumimoji="1" lang="ja-JP" altLang="en-US" smtClean="0"/>
+              <a:rPr kumimoji="1" lang="ja-JP" altLang="en-US"/>
               <a:t>レベル</a:t>
             </a:r>
           </a:p>
           <a:p>
             <a:pPr lvl="3"/>
             <a:r>
-              <a:rPr kumimoji="1" lang="ja-JP" altLang="en-US" smtClean="0"/>
+              <a:rPr kumimoji="1" lang="ja-JP" altLang="en-US"/>
               <a:t>第 </a:t>
             </a:r>
             <a:r>
-              <a:rPr kumimoji="1" lang="en-US" altLang="ja-JP" smtClean="0"/>
+              <a:rPr kumimoji="1" lang="en-US" altLang="ja-JP"/>
               <a:t>4 </a:t>
             </a:r>
             <a:r>
-              <a:rPr kumimoji="1" lang="ja-JP" altLang="en-US" smtClean="0"/>
+              <a:rPr kumimoji="1" lang="ja-JP" altLang="en-US"/>
               <a:t>レベル</a:t>
             </a:r>
           </a:p>
           <a:p>
             <a:pPr lvl="4"/>
             <a:r>
-              <a:rPr kumimoji="1" lang="ja-JP" altLang="en-US" smtClean="0"/>
+              <a:rPr kumimoji="1" lang="ja-JP" altLang="en-US"/>
               <a:t>第 </a:t>
             </a:r>
             <a:r>
-              <a:rPr kumimoji="1" lang="en-US" altLang="ja-JP" smtClean="0"/>
+              <a:rPr kumimoji="1" lang="en-US" altLang="ja-JP"/>
               <a:t>5 </a:t>
             </a:r>
             <a:r>
-              <a:rPr kumimoji="1" lang="ja-JP" altLang="en-US" smtClean="0"/>
+              <a:rPr kumimoji="1" lang="ja-JP" altLang="en-US"/>
               <a:t>レベル</a:t>
             </a:r>
-            <a:endParaRPr kumimoji="1" lang="ja-JP" altLang="en-US"/>
           </a:p>
         </p:txBody>
       </p:sp>
@@ -3261,7 +3245,7 @@
         <p:spPr>
           <a:xfrm>
             <a:off x="955963" y="2377439"/>
-            <a:ext cx="1770614" cy="1246909"/>
+            <a:ext cx="2047296" cy="1246909"/>
           </a:xfrm>
           <a:prstGeom prst="rect">
             <a:avLst/>
@@ -3297,20 +3281,101 @@
           <a:lstStyle/>
           <a:p>
             <a:pPr algn="ctr"/>
-            <a:endParaRPr kumimoji="1" lang="ja-JP" altLang="en-US"/>
-          </a:p>
-        </p:txBody>
-      </p:sp>
-      <p:sp>
-        <p:nvSpPr>
-          <p:cNvPr id="5" name="正方形/長方形 4"/>
+            <a:endParaRPr kumimoji="1" lang="ja-JP" altLang="en-US" dirty="0"/>
+          </a:p>
+        </p:txBody>
+      </p:sp>
+      <p:pic>
+        <p:nvPicPr>
+          <p:cNvPr id="3" name="グラフィックス 2" descr="もみの木">
+            <a:extLst>
+              <a:ext uri="{FF2B5EF4-FFF2-40B4-BE49-F238E27FC236}">
+                <a16:creationId xmlns:a16="http://schemas.microsoft.com/office/drawing/2014/main" id="{A9E5EA3E-019A-49DF-8D20-8A1990CA2B0F}"/>
+              </a:ext>
+            </a:extLst>
+          </p:cNvPr>
+          <p:cNvPicPr>
+            <a:picLocks noChangeAspect="1"/>
+          </p:cNvPicPr>
+          <p:nvPr/>
+        </p:nvPicPr>
+        <p:blipFill>
+          <a:blip r:embed="rId2">
+            <a:extLst>
+              <a:ext uri="{28A0092B-C50C-407E-A947-70E740481C1C}">
+                <a14:useLocalDpi xmlns:a14="http://schemas.microsoft.com/office/drawing/2010/main" val="0"/>
+              </a:ext>
+              <a:ext uri="{96DAC541-7B7A-43D3-8B79-37D633B846F1}">
+                <asvg:svgBlip xmlns:asvg="http://schemas.microsoft.com/office/drawing/2016/SVG/main" r:embed="rId3"/>
+              </a:ext>
+            </a:extLst>
+          </a:blip>
+          <a:stretch>
+            <a:fillRect/>
+          </a:stretch>
+        </p:blipFill>
+        <p:spPr>
+          <a:xfrm>
+            <a:off x="1712060" y="2562139"/>
+            <a:ext cx="535102" cy="535102"/>
+          </a:xfrm>
+          <a:prstGeom prst="rect">
+            <a:avLst/>
+          </a:prstGeom>
+        </p:spPr>
+      </p:pic>
+      <p:sp>
+        <p:nvSpPr>
+          <p:cNvPr id="8" name="テキスト ボックス 7">
+            <a:extLst>
+              <a:ext uri="{FF2B5EF4-FFF2-40B4-BE49-F238E27FC236}">
+                <a16:creationId xmlns:a16="http://schemas.microsoft.com/office/drawing/2014/main" id="{A541B112-E4B8-4B82-AA4B-86FF09632B46}"/>
+              </a:ext>
+            </a:extLst>
+          </p:cNvPr>
+          <p:cNvSpPr txBox="1"/>
+          <p:nvPr/>
+        </p:nvSpPr>
+        <p:spPr>
+          <a:xfrm>
+            <a:off x="955963" y="3191517"/>
+            <a:ext cx="2047296" cy="338554"/>
+          </a:xfrm>
+          <a:prstGeom prst="rect">
+            <a:avLst/>
+          </a:prstGeom>
+          <a:noFill/>
+        </p:spPr>
+        <p:txBody>
+          <a:bodyPr wrap="square" rtlCol="0">
+            <a:spAutoFit/>
+          </a:bodyPr>
+          <a:lstStyle/>
+          <a:p>
+            <a:pPr algn="ctr"/>
+            <a:r>
+              <a:rPr kumimoji="1" lang="ja-JP" altLang="en-US" sz="1600" dirty="0"/>
+              <a:t>資源の採掘基地</a:t>
+            </a:r>
+          </a:p>
+        </p:txBody>
+      </p:sp>
+      <p:sp>
+        <p:nvSpPr>
+          <p:cNvPr id="15" name="正方形/長方形 14">
+            <a:extLst>
+              <a:ext uri="{FF2B5EF4-FFF2-40B4-BE49-F238E27FC236}">
+                <a16:creationId xmlns:a16="http://schemas.microsoft.com/office/drawing/2014/main" id="{F127560D-499D-4DF6-993C-7C514746B8FC}"/>
+              </a:ext>
+            </a:extLst>
+          </p:cNvPr>
           <p:cNvSpPr/>
           <p:nvPr/>
         </p:nvSpPr>
         <p:spPr>
           <a:xfrm>
-            <a:off x="3707475" y="2377439"/>
-            <a:ext cx="1770614" cy="1246909"/>
+            <a:off x="3759356" y="2377439"/>
+            <a:ext cx="2047296" cy="1246909"/>
           </a:xfrm>
           <a:prstGeom prst="rect">
             <a:avLst/>
@@ -3346,20 +3411,26 @@
           <a:lstStyle/>
           <a:p>
             <a:pPr algn="ctr"/>
-            <a:endParaRPr kumimoji="1" lang="ja-JP" altLang="en-US"/>
-          </a:p>
-        </p:txBody>
-      </p:sp>
-      <p:sp>
-        <p:nvSpPr>
-          <p:cNvPr id="6" name="正方形/長方形 5"/>
+            <a:endParaRPr kumimoji="1" lang="ja-JP" altLang="en-US" dirty="0"/>
+          </a:p>
+        </p:txBody>
+      </p:sp>
+      <p:sp>
+        <p:nvSpPr>
+          <p:cNvPr id="16" name="正方形/長方形 15">
+            <a:extLst>
+              <a:ext uri="{FF2B5EF4-FFF2-40B4-BE49-F238E27FC236}">
+                <a16:creationId xmlns:a16="http://schemas.microsoft.com/office/drawing/2014/main" id="{F7893029-90B8-41DC-9E0E-CD32B45D515D}"/>
+              </a:ext>
+            </a:extLst>
+          </p:cNvPr>
           <p:cNvSpPr/>
           <p:nvPr/>
         </p:nvSpPr>
         <p:spPr>
           <a:xfrm>
-            <a:off x="6458987" y="2377439"/>
-            <a:ext cx="1770614" cy="1246909"/>
+            <a:off x="6562749" y="2377439"/>
+            <a:ext cx="2047296" cy="1246909"/>
           </a:xfrm>
           <a:prstGeom prst="rect">
             <a:avLst/>
@@ -3395,20 +3466,26 @@
           <a:lstStyle/>
           <a:p>
             <a:pPr algn="ctr"/>
-            <a:endParaRPr kumimoji="1" lang="ja-JP" altLang="en-US"/>
-          </a:p>
-        </p:txBody>
-      </p:sp>
-      <p:sp>
-        <p:nvSpPr>
-          <p:cNvPr id="7" name="正方形/長方形 6"/>
+            <a:endParaRPr kumimoji="1" lang="ja-JP" altLang="en-US" dirty="0"/>
+          </a:p>
+        </p:txBody>
+      </p:sp>
+      <p:sp>
+        <p:nvSpPr>
+          <p:cNvPr id="17" name="正方形/長方形 16">
+            <a:extLst>
+              <a:ext uri="{FF2B5EF4-FFF2-40B4-BE49-F238E27FC236}">
+                <a16:creationId xmlns:a16="http://schemas.microsoft.com/office/drawing/2014/main" id="{685231F9-8DFF-4BF3-BA1D-99253DF2EAEE}"/>
+              </a:ext>
+            </a:extLst>
+          </p:cNvPr>
           <p:cNvSpPr/>
           <p:nvPr/>
         </p:nvSpPr>
         <p:spPr>
           <a:xfrm>
-            <a:off x="9210499" y="2377439"/>
-            <a:ext cx="1770614" cy="1246909"/>
+            <a:off x="9366142" y="2377439"/>
+            <a:ext cx="2047296" cy="1246909"/>
           </a:xfrm>
           <a:prstGeom prst="rect">
             <a:avLst/>
@@ -3444,6 +3521,474 @@
           <a:lstStyle/>
           <a:p>
             <a:pPr algn="ctr"/>
+            <a:endParaRPr kumimoji="1" lang="ja-JP" altLang="en-US" dirty="0"/>
+          </a:p>
+        </p:txBody>
+      </p:sp>
+      <p:pic>
+        <p:nvPicPr>
+          <p:cNvPr id="10" name="グラフィックス 9" descr="データベース">
+            <a:extLst>
+              <a:ext uri="{FF2B5EF4-FFF2-40B4-BE49-F238E27FC236}">
+                <a16:creationId xmlns:a16="http://schemas.microsoft.com/office/drawing/2014/main" id="{2963D2CD-4ED2-4C7F-87CD-340457ED767F}"/>
+              </a:ext>
+            </a:extLst>
+          </p:cNvPr>
+          <p:cNvPicPr>
+            <a:picLocks noChangeAspect="1"/>
+          </p:cNvPicPr>
+          <p:nvPr/>
+        </p:nvPicPr>
+        <p:blipFill>
+          <a:blip r:embed="rId4">
+            <a:extLst>
+              <a:ext uri="{28A0092B-C50C-407E-A947-70E740481C1C}">
+                <a14:useLocalDpi xmlns:a14="http://schemas.microsoft.com/office/drawing/2010/main" val="0"/>
+              </a:ext>
+              <a:ext uri="{96DAC541-7B7A-43D3-8B79-37D633B846F1}">
+                <asvg:svgBlip xmlns:asvg="http://schemas.microsoft.com/office/drawing/2016/SVG/main" r:embed="rId5"/>
+              </a:ext>
+            </a:extLst>
+          </a:blip>
+          <a:stretch>
+            <a:fillRect/>
+          </a:stretch>
+        </p:blipFill>
+        <p:spPr>
+          <a:xfrm>
+            <a:off x="4514804" y="2562139"/>
+            <a:ext cx="536400" cy="536400"/>
+          </a:xfrm>
+          <a:prstGeom prst="rect">
+            <a:avLst/>
+          </a:prstGeom>
+        </p:spPr>
+      </p:pic>
+      <p:pic>
+        <p:nvPicPr>
+          <p:cNvPr id="12" name="グラフィックス 11" descr="たき火">
+            <a:extLst>
+              <a:ext uri="{FF2B5EF4-FFF2-40B4-BE49-F238E27FC236}">
+                <a16:creationId xmlns:a16="http://schemas.microsoft.com/office/drawing/2014/main" id="{6D574D6F-FB1A-4675-A1C3-B551BABC76D5}"/>
+              </a:ext>
+            </a:extLst>
+          </p:cNvPr>
+          <p:cNvPicPr>
+            <a:picLocks noChangeAspect="1"/>
+          </p:cNvPicPr>
+          <p:nvPr/>
+        </p:nvPicPr>
+        <p:blipFill>
+          <a:blip r:embed="rId6">
+            <a:extLst>
+              <a:ext uri="{28A0092B-C50C-407E-A947-70E740481C1C}">
+                <a14:useLocalDpi xmlns:a14="http://schemas.microsoft.com/office/drawing/2010/main" val="0"/>
+              </a:ext>
+              <a:ext uri="{96DAC541-7B7A-43D3-8B79-37D633B846F1}">
+                <asvg:svgBlip xmlns:asvg="http://schemas.microsoft.com/office/drawing/2016/SVG/main" r:embed="rId7"/>
+              </a:ext>
+            </a:extLst>
+          </a:blip>
+          <a:stretch>
+            <a:fillRect/>
+          </a:stretch>
+        </p:blipFill>
+        <p:spPr>
+          <a:xfrm>
+            <a:off x="7318197" y="2562139"/>
+            <a:ext cx="536400" cy="536400"/>
+          </a:xfrm>
+          <a:prstGeom prst="rect">
+            <a:avLst/>
+          </a:prstGeom>
+        </p:spPr>
+      </p:pic>
+      <p:pic>
+        <p:nvPicPr>
+          <p:cNvPr id="14" name="グラフィックス 13" descr="ランプ">
+            <a:extLst>
+              <a:ext uri="{FF2B5EF4-FFF2-40B4-BE49-F238E27FC236}">
+                <a16:creationId xmlns:a16="http://schemas.microsoft.com/office/drawing/2014/main" id="{687CC990-7E0A-45B1-9227-B1C780AE60B9}"/>
+              </a:ext>
+            </a:extLst>
+          </p:cNvPr>
+          <p:cNvPicPr>
+            <a:picLocks noChangeAspect="1"/>
+          </p:cNvPicPr>
+          <p:nvPr/>
+        </p:nvPicPr>
+        <p:blipFill>
+          <a:blip r:embed="rId8">
+            <a:extLst>
+              <a:ext uri="{28A0092B-C50C-407E-A947-70E740481C1C}">
+                <a14:useLocalDpi xmlns:a14="http://schemas.microsoft.com/office/drawing/2010/main" val="0"/>
+              </a:ext>
+              <a:ext uri="{96DAC541-7B7A-43D3-8B79-37D633B846F1}">
+                <asvg:svgBlip xmlns:asvg="http://schemas.microsoft.com/office/drawing/2016/SVG/main" r:embed="rId9"/>
+              </a:ext>
+            </a:extLst>
+          </a:blip>
+          <a:stretch>
+            <a:fillRect/>
+          </a:stretch>
+        </p:blipFill>
+        <p:spPr>
+          <a:xfrm>
+            <a:off x="9484026" y="2562139"/>
+            <a:ext cx="536400" cy="536400"/>
+          </a:xfrm>
+          <a:prstGeom prst="rect">
+            <a:avLst/>
+          </a:prstGeom>
+        </p:spPr>
+      </p:pic>
+      <p:sp>
+        <p:nvSpPr>
+          <p:cNvPr id="18" name="テキスト ボックス 17">
+            <a:extLst>
+              <a:ext uri="{FF2B5EF4-FFF2-40B4-BE49-F238E27FC236}">
+                <a16:creationId xmlns:a16="http://schemas.microsoft.com/office/drawing/2014/main" id="{31416E7C-0CC5-4179-85DB-0BB1CB844925}"/>
+              </a:ext>
+            </a:extLst>
+          </p:cNvPr>
+          <p:cNvSpPr txBox="1"/>
+          <p:nvPr/>
+        </p:nvSpPr>
+        <p:spPr>
+          <a:xfrm>
+            <a:off x="3768451" y="3191517"/>
+            <a:ext cx="2047296" cy="338554"/>
+          </a:xfrm>
+          <a:prstGeom prst="rect">
+            <a:avLst/>
+          </a:prstGeom>
+          <a:noFill/>
+        </p:spPr>
+        <p:txBody>
+          <a:bodyPr wrap="square" rtlCol="0">
+            <a:spAutoFit/>
+          </a:bodyPr>
+          <a:lstStyle/>
+          <a:p>
+            <a:pPr algn="ctr"/>
+            <a:r>
+              <a:rPr kumimoji="1" lang="ja-JP" altLang="en-US" sz="1600" dirty="0"/>
+              <a:t>資源の貯蔵基地</a:t>
+            </a:r>
+          </a:p>
+        </p:txBody>
+      </p:sp>
+      <p:sp>
+        <p:nvSpPr>
+          <p:cNvPr id="19" name="テキスト ボックス 18">
+            <a:extLst>
+              <a:ext uri="{FF2B5EF4-FFF2-40B4-BE49-F238E27FC236}">
+                <a16:creationId xmlns:a16="http://schemas.microsoft.com/office/drawing/2014/main" id="{25042C35-BEA9-4273-8F48-08F1FBF419D5}"/>
+              </a:ext>
+            </a:extLst>
+          </p:cNvPr>
+          <p:cNvSpPr txBox="1"/>
+          <p:nvPr/>
+        </p:nvSpPr>
+        <p:spPr>
+          <a:xfrm>
+            <a:off x="6571844" y="3191517"/>
+            <a:ext cx="2047296" cy="338554"/>
+          </a:xfrm>
+          <a:prstGeom prst="rect">
+            <a:avLst/>
+          </a:prstGeom>
+          <a:noFill/>
+        </p:spPr>
+        <p:txBody>
+          <a:bodyPr wrap="square" rtlCol="0">
+            <a:spAutoFit/>
+          </a:bodyPr>
+          <a:lstStyle/>
+          <a:p>
+            <a:pPr algn="ctr"/>
+            <a:r>
+              <a:rPr kumimoji="1" lang="ja-JP" altLang="en-US" sz="1600" dirty="0"/>
+              <a:t>発電所</a:t>
+            </a:r>
+          </a:p>
+        </p:txBody>
+      </p:sp>
+      <p:sp>
+        <p:nvSpPr>
+          <p:cNvPr id="20" name="テキスト ボックス 19">
+            <a:extLst>
+              <a:ext uri="{FF2B5EF4-FFF2-40B4-BE49-F238E27FC236}">
+                <a16:creationId xmlns:a16="http://schemas.microsoft.com/office/drawing/2014/main" id="{49C4EF14-BFC3-4FE7-8C38-B769459CC97E}"/>
+              </a:ext>
+            </a:extLst>
+          </p:cNvPr>
+          <p:cNvSpPr txBox="1"/>
+          <p:nvPr/>
+        </p:nvSpPr>
+        <p:spPr>
+          <a:xfrm>
+            <a:off x="9357047" y="3191517"/>
+            <a:ext cx="2047296" cy="338554"/>
+          </a:xfrm>
+          <a:prstGeom prst="rect">
+            <a:avLst/>
+          </a:prstGeom>
+          <a:noFill/>
+        </p:spPr>
+        <p:txBody>
+          <a:bodyPr wrap="square" rtlCol="0">
+            <a:spAutoFit/>
+          </a:bodyPr>
+          <a:lstStyle/>
+          <a:p>
+            <a:pPr algn="ctr"/>
+            <a:r>
+              <a:rPr kumimoji="1" lang="ja-JP" altLang="en-US" sz="1600" dirty="0"/>
+              <a:t>家庭や会社、工場</a:t>
+            </a:r>
+          </a:p>
+        </p:txBody>
+      </p:sp>
+      <p:pic>
+        <p:nvPicPr>
+          <p:cNvPr id="22" name="グラフィックス 21" descr="都市">
+            <a:extLst>
+              <a:ext uri="{FF2B5EF4-FFF2-40B4-BE49-F238E27FC236}">
+                <a16:creationId xmlns:a16="http://schemas.microsoft.com/office/drawing/2014/main" id="{08F58680-3CA8-4E2D-8328-10DA637E9F25}"/>
+              </a:ext>
+            </a:extLst>
+          </p:cNvPr>
+          <p:cNvPicPr>
+            <a:picLocks noChangeAspect="1"/>
+          </p:cNvPicPr>
+          <p:nvPr/>
+        </p:nvPicPr>
+        <p:blipFill>
+          <a:blip r:embed="rId10">
+            <a:extLst>
+              <a:ext uri="{28A0092B-C50C-407E-A947-70E740481C1C}">
+                <a14:useLocalDpi xmlns:a14="http://schemas.microsoft.com/office/drawing/2010/main" val="0"/>
+              </a:ext>
+              <a:ext uri="{96DAC541-7B7A-43D3-8B79-37D633B846F1}">
+                <asvg:svgBlip xmlns:asvg="http://schemas.microsoft.com/office/drawing/2016/SVG/main" r:embed="rId11"/>
+              </a:ext>
+            </a:extLst>
+          </a:blip>
+          <a:stretch>
+            <a:fillRect/>
+          </a:stretch>
+        </p:blipFill>
+        <p:spPr>
+          <a:xfrm>
+            <a:off x="10121590" y="2560840"/>
+            <a:ext cx="536400" cy="536400"/>
+          </a:xfrm>
+          <a:prstGeom prst="rect">
+            <a:avLst/>
+          </a:prstGeom>
+        </p:spPr>
+      </p:pic>
+      <p:pic>
+        <p:nvPicPr>
+          <p:cNvPr id="24" name="グラフィックス 23" descr="工場">
+            <a:extLst>
+              <a:ext uri="{FF2B5EF4-FFF2-40B4-BE49-F238E27FC236}">
+                <a16:creationId xmlns:a16="http://schemas.microsoft.com/office/drawing/2014/main" id="{D47451EA-2A32-4D31-8C64-90D44A85E9AE}"/>
+              </a:ext>
+            </a:extLst>
+          </p:cNvPr>
+          <p:cNvPicPr>
+            <a:picLocks noChangeAspect="1"/>
+          </p:cNvPicPr>
+          <p:nvPr/>
+        </p:nvPicPr>
+        <p:blipFill>
+          <a:blip r:embed="rId12">
+            <a:extLst>
+              <a:ext uri="{28A0092B-C50C-407E-A947-70E740481C1C}">
+                <a14:useLocalDpi xmlns:a14="http://schemas.microsoft.com/office/drawing/2010/main" val="0"/>
+              </a:ext>
+              <a:ext uri="{96DAC541-7B7A-43D3-8B79-37D633B846F1}">
+                <asvg:svgBlip xmlns:asvg="http://schemas.microsoft.com/office/drawing/2016/SVG/main" r:embed="rId13"/>
+              </a:ext>
+            </a:extLst>
+          </a:blip>
+          <a:stretch>
+            <a:fillRect/>
+          </a:stretch>
+        </p:blipFill>
+        <p:spPr>
+          <a:xfrm>
+            <a:off x="10775874" y="2560840"/>
+            <a:ext cx="536400" cy="536400"/>
+          </a:xfrm>
+          <a:prstGeom prst="rect">
+            <a:avLst/>
+          </a:prstGeom>
+        </p:spPr>
+      </p:pic>
+      <p:sp>
+        <p:nvSpPr>
+          <p:cNvPr id="25" name="矢印: 右 24">
+            <a:extLst>
+              <a:ext uri="{FF2B5EF4-FFF2-40B4-BE49-F238E27FC236}">
+                <a16:creationId xmlns:a16="http://schemas.microsoft.com/office/drawing/2014/main" id="{0416137D-2A59-4AED-8D62-2743802616CA}"/>
+              </a:ext>
+            </a:extLst>
+          </p:cNvPr>
+          <p:cNvSpPr/>
+          <p:nvPr/>
+        </p:nvSpPr>
+        <p:spPr>
+          <a:xfrm>
+            <a:off x="3012354" y="2869014"/>
+            <a:ext cx="755448" cy="263758"/>
+          </a:xfrm>
+          <a:prstGeom prst="rightArrow">
+            <a:avLst/>
+          </a:prstGeom>
+          <a:solidFill>
+            <a:schemeClr val="tx1">
+              <a:lumMod val="75000"/>
+              <a:lumOff val="25000"/>
+            </a:schemeClr>
+          </a:solidFill>
+          <a:ln>
+            <a:noFill/>
+          </a:ln>
+        </p:spPr>
+        <p:style>
+          <a:lnRef idx="2">
+            <a:schemeClr val="accent1">
+              <a:shade val="50000"/>
+            </a:schemeClr>
+          </a:lnRef>
+          <a:fillRef idx="1">
+            <a:schemeClr val="accent1"/>
+          </a:fillRef>
+          <a:effectRef idx="0">
+            <a:schemeClr val="accent1"/>
+          </a:effectRef>
+          <a:fontRef idx="minor">
+            <a:schemeClr val="lt1"/>
+          </a:fontRef>
+        </p:style>
+        <p:txBody>
+          <a:bodyPr rtlCol="0" anchor="ctr"/>
+          <a:lstStyle/>
+          <a:p>
+            <a:pPr algn="ctr"/>
+            <a:endParaRPr kumimoji="1" lang="ja-JP" altLang="en-US"/>
+          </a:p>
+        </p:txBody>
+      </p:sp>
+      <p:sp>
+        <p:nvSpPr>
+          <p:cNvPr id="26" name="矢印: 右 25">
+            <a:extLst>
+              <a:ext uri="{FF2B5EF4-FFF2-40B4-BE49-F238E27FC236}">
+                <a16:creationId xmlns:a16="http://schemas.microsoft.com/office/drawing/2014/main" id="{08405B7F-287B-4334-8676-A76B8EED09A6}"/>
+              </a:ext>
+            </a:extLst>
+          </p:cNvPr>
+          <p:cNvSpPr/>
+          <p:nvPr/>
+        </p:nvSpPr>
+        <p:spPr>
+          <a:xfrm>
+            <a:off x="5815747" y="2869014"/>
+            <a:ext cx="755448" cy="263758"/>
+          </a:xfrm>
+          <a:prstGeom prst="rightArrow">
+            <a:avLst/>
+          </a:prstGeom>
+          <a:solidFill>
+            <a:schemeClr val="tx1">
+              <a:lumMod val="75000"/>
+              <a:lumOff val="25000"/>
+            </a:schemeClr>
+          </a:solidFill>
+          <a:ln>
+            <a:noFill/>
+          </a:ln>
+        </p:spPr>
+        <p:style>
+          <a:lnRef idx="2">
+            <a:schemeClr val="accent1">
+              <a:shade val="50000"/>
+            </a:schemeClr>
+          </a:lnRef>
+          <a:fillRef idx="1">
+            <a:schemeClr val="accent1"/>
+          </a:fillRef>
+          <a:effectRef idx="0">
+            <a:schemeClr val="accent1"/>
+          </a:effectRef>
+          <a:fontRef idx="minor">
+            <a:schemeClr val="lt1"/>
+          </a:fontRef>
+        </p:style>
+        <p:txBody>
+          <a:bodyPr rtlCol="0" anchor="ctr"/>
+          <a:lstStyle/>
+          <a:p>
+            <a:pPr algn="ctr"/>
+            <a:endParaRPr kumimoji="1" lang="ja-JP" altLang="en-US"/>
+          </a:p>
+        </p:txBody>
+      </p:sp>
+      <p:sp>
+        <p:nvSpPr>
+          <p:cNvPr id="27" name="矢印: 右 26">
+            <a:extLst>
+              <a:ext uri="{FF2B5EF4-FFF2-40B4-BE49-F238E27FC236}">
+                <a16:creationId xmlns:a16="http://schemas.microsoft.com/office/drawing/2014/main" id="{36102F1B-B883-4489-B82C-74DD42A45DB3}"/>
+              </a:ext>
+            </a:extLst>
+          </p:cNvPr>
+          <p:cNvSpPr/>
+          <p:nvPr/>
+        </p:nvSpPr>
+        <p:spPr>
+          <a:xfrm>
+            <a:off x="8601599" y="2869014"/>
+            <a:ext cx="755448" cy="263758"/>
+          </a:xfrm>
+          <a:prstGeom prst="rightArrow">
+            <a:avLst/>
+          </a:prstGeom>
+          <a:solidFill>
+            <a:schemeClr val="tx1">
+              <a:lumMod val="75000"/>
+              <a:lumOff val="25000"/>
+            </a:schemeClr>
+          </a:solidFill>
+          <a:ln>
+            <a:noFill/>
+          </a:ln>
+        </p:spPr>
+        <p:style>
+          <a:lnRef idx="2">
+            <a:schemeClr val="accent1">
+              <a:shade val="50000"/>
+            </a:schemeClr>
+          </a:lnRef>
+          <a:fillRef idx="1">
+            <a:schemeClr val="accent1"/>
+          </a:fillRef>
+          <a:effectRef idx="0">
+            <a:schemeClr val="accent1"/>
+          </a:effectRef>
+          <a:fontRef idx="minor">
+            <a:schemeClr val="lt1"/>
+          </a:fontRef>
+        </p:style>
+        <p:txBody>
+          <a:bodyPr rtlCol="0" anchor="ctr"/>
+          <a:lstStyle/>
+          <a:p>
+            <a:pPr algn="ctr"/>
             <a:endParaRPr kumimoji="1" lang="ja-JP" altLang="en-US"/>
           </a:p>
         </p:txBody>
@@ -3458,13 +4003,6 @@
   <p:clrMapOvr>
     <a:masterClrMapping/>
   </p:clrMapOvr>
-  <p:timing>
-    <p:tnLst>
-      <p:par>
-        <p:cTn id="1" dur="indefinite" restart="never" nodeType="tmRoot"/>
-      </p:par>
-    </p:tnLst>
-  </p:timing>
 </p:sld>
 </file>
 

--- a/site/images/電力部門のモデル図.pptx
+++ b/site/images/電力部門のモデル図.pptx
@@ -241,7 +241,7 @@
           <a:p>
             <a:fld id="{66E18472-4ACD-4B2A-9C91-8021835C9824}" type="datetimeFigureOut">
               <a:rPr kumimoji="1" lang="ja-JP" altLang="en-US" smtClean="0"/>
-              <a:t>2020/9/12</a:t>
+              <a:t>2020/9/19</a:t>
             </a:fld>
             <a:endParaRPr kumimoji="1" lang="ja-JP" altLang="en-US"/>
           </a:p>
@@ -441,7 +441,7 @@
           <a:p>
             <a:fld id="{66E18472-4ACD-4B2A-9C91-8021835C9824}" type="datetimeFigureOut">
               <a:rPr kumimoji="1" lang="ja-JP" altLang="en-US" smtClean="0"/>
-              <a:t>2020/9/12</a:t>
+              <a:t>2020/9/19</a:t>
             </a:fld>
             <a:endParaRPr kumimoji="1" lang="ja-JP" altLang="en-US"/>
           </a:p>
@@ -651,7 +651,7 @@
           <a:p>
             <a:fld id="{66E18472-4ACD-4B2A-9C91-8021835C9824}" type="datetimeFigureOut">
               <a:rPr kumimoji="1" lang="ja-JP" altLang="en-US" smtClean="0"/>
-              <a:t>2020/9/12</a:t>
+              <a:t>2020/9/19</a:t>
             </a:fld>
             <a:endParaRPr kumimoji="1" lang="ja-JP" altLang="en-US"/>
           </a:p>
@@ -851,7 +851,7 @@
           <a:p>
             <a:fld id="{66E18472-4ACD-4B2A-9C91-8021835C9824}" type="datetimeFigureOut">
               <a:rPr kumimoji="1" lang="ja-JP" altLang="en-US" smtClean="0"/>
-              <a:t>2020/9/12</a:t>
+              <a:t>2020/9/19</a:t>
             </a:fld>
             <a:endParaRPr kumimoji="1" lang="ja-JP" altLang="en-US"/>
           </a:p>
@@ -1096,7 +1096,7 @@
           <a:p>
             <a:fld id="{66E18472-4ACD-4B2A-9C91-8021835C9824}" type="datetimeFigureOut">
               <a:rPr kumimoji="1" lang="ja-JP" altLang="en-US" smtClean="0"/>
-              <a:t>2020/9/12</a:t>
+              <a:t>2020/9/19</a:t>
             </a:fld>
             <a:endParaRPr kumimoji="1" lang="ja-JP" altLang="en-US"/>
           </a:p>
@@ -1389,7 +1389,7 @@
           <a:p>
             <a:fld id="{66E18472-4ACD-4B2A-9C91-8021835C9824}" type="datetimeFigureOut">
               <a:rPr kumimoji="1" lang="ja-JP" altLang="en-US" smtClean="0"/>
-              <a:t>2020/9/12</a:t>
+              <a:t>2020/9/19</a:t>
             </a:fld>
             <a:endParaRPr kumimoji="1" lang="ja-JP" altLang="en-US"/>
           </a:p>
@@ -1817,7 +1817,7 @@
           <a:p>
             <a:fld id="{66E18472-4ACD-4B2A-9C91-8021835C9824}" type="datetimeFigureOut">
               <a:rPr kumimoji="1" lang="ja-JP" altLang="en-US" smtClean="0"/>
-              <a:t>2020/9/12</a:t>
+              <a:t>2020/9/19</a:t>
             </a:fld>
             <a:endParaRPr kumimoji="1" lang="ja-JP" altLang="en-US"/>
           </a:p>
@@ -1934,7 +1934,7 @@
           <a:p>
             <a:fld id="{66E18472-4ACD-4B2A-9C91-8021835C9824}" type="datetimeFigureOut">
               <a:rPr kumimoji="1" lang="ja-JP" altLang="en-US" smtClean="0"/>
-              <a:t>2020/9/12</a:t>
+              <a:t>2020/9/19</a:t>
             </a:fld>
             <a:endParaRPr kumimoji="1" lang="ja-JP" altLang="en-US"/>
           </a:p>
@@ -2029,7 +2029,7 @@
           <a:p>
             <a:fld id="{66E18472-4ACD-4B2A-9C91-8021835C9824}" type="datetimeFigureOut">
               <a:rPr kumimoji="1" lang="ja-JP" altLang="en-US" smtClean="0"/>
-              <a:t>2020/9/12</a:t>
+              <a:t>2020/9/19</a:t>
             </a:fld>
             <a:endParaRPr kumimoji="1" lang="ja-JP" altLang="en-US"/>
           </a:p>
@@ -2336,7 +2336,7 @@
           <a:p>
             <a:fld id="{66E18472-4ACD-4B2A-9C91-8021835C9824}" type="datetimeFigureOut">
               <a:rPr kumimoji="1" lang="ja-JP" altLang="en-US" smtClean="0"/>
-              <a:t>2020/9/12</a:t>
+              <a:t>2020/9/19</a:t>
             </a:fld>
             <a:endParaRPr kumimoji="1" lang="ja-JP" altLang="en-US"/>
           </a:p>
@@ -2588,7 +2588,7 @@
           <a:p>
             <a:fld id="{66E18472-4ACD-4B2A-9C91-8021835C9824}" type="datetimeFigureOut">
               <a:rPr kumimoji="1" lang="ja-JP" altLang="en-US" smtClean="0"/>
-              <a:t>2020/9/12</a:t>
+              <a:t>2020/9/19</a:t>
             </a:fld>
             <a:endParaRPr kumimoji="1" lang="ja-JP" altLang="en-US"/>
           </a:p>
@@ -2831,7 +2831,7 @@
           <a:p>
             <a:fld id="{66E18472-4ACD-4B2A-9C91-8021835C9824}" type="datetimeFigureOut">
               <a:rPr kumimoji="1" lang="ja-JP" altLang="en-US" smtClean="0"/>
-              <a:t>2020/9/12</a:t>
+              <a:t>2020/9/19</a:t>
             </a:fld>
             <a:endParaRPr kumimoji="1" lang="ja-JP" altLang="en-US"/>
           </a:p>
@@ -3300,13 +3300,13 @@
           <p:nvPr/>
         </p:nvPicPr>
         <p:blipFill>
-          <a:blip r:embed="rId2">
+          <a:blip r:embed="rId2" cstate="print">
             <a:extLst>
               <a:ext uri="{28A0092B-C50C-407E-A947-70E740481C1C}">
                 <a14:useLocalDpi xmlns:a14="http://schemas.microsoft.com/office/drawing/2010/main" val="0"/>
               </a:ext>
               <a:ext uri="{96DAC541-7B7A-43D3-8B79-37D633B846F1}">
-                <asvg:svgBlip xmlns:asvg="http://schemas.microsoft.com/office/drawing/2016/SVG/main" r:embed="rId3"/>
+                <asvg:svgBlip xmlns:asvg="http://schemas.microsoft.com/office/drawing/2016/SVG/main" xmlns="" r:embed="rId3"/>
               </a:ext>
             </a:extLst>
           </a:blip>
@@ -3374,7 +3374,7 @@
         </p:nvSpPr>
         <p:spPr>
           <a:xfrm>
-            <a:off x="3759356" y="2377439"/>
+            <a:off x="3435160" y="2377439"/>
             <a:ext cx="2047296" cy="1246909"/>
           </a:xfrm>
           <a:prstGeom prst="rect">
@@ -3415,116 +3415,6 @@
           </a:p>
         </p:txBody>
       </p:sp>
-      <p:sp>
-        <p:nvSpPr>
-          <p:cNvPr id="16" name="正方形/長方形 15">
-            <a:extLst>
-              <a:ext uri="{FF2B5EF4-FFF2-40B4-BE49-F238E27FC236}">
-                <a16:creationId xmlns:a16="http://schemas.microsoft.com/office/drawing/2014/main" id="{F7893029-90B8-41DC-9E0E-CD32B45D515D}"/>
-              </a:ext>
-            </a:extLst>
-          </p:cNvPr>
-          <p:cNvSpPr/>
-          <p:nvPr/>
-        </p:nvSpPr>
-        <p:spPr>
-          <a:xfrm>
-            <a:off x="6562749" y="2377439"/>
-            <a:ext cx="2047296" cy="1246909"/>
-          </a:xfrm>
-          <a:prstGeom prst="rect">
-            <a:avLst/>
-          </a:prstGeom>
-          <a:solidFill>
-            <a:schemeClr val="accent1">
-              <a:lumMod val="40000"/>
-              <a:lumOff val="60000"/>
-            </a:schemeClr>
-          </a:solidFill>
-          <a:ln>
-            <a:noFill/>
-          </a:ln>
-        </p:spPr>
-        <p:style>
-          <a:lnRef idx="2">
-            <a:schemeClr val="accent1">
-              <a:shade val="50000"/>
-            </a:schemeClr>
-          </a:lnRef>
-          <a:fillRef idx="1">
-            <a:schemeClr val="accent1"/>
-          </a:fillRef>
-          <a:effectRef idx="0">
-            <a:schemeClr val="accent1"/>
-          </a:effectRef>
-          <a:fontRef idx="minor">
-            <a:schemeClr val="lt1"/>
-          </a:fontRef>
-        </p:style>
-        <p:txBody>
-          <a:bodyPr rtlCol="0" anchor="ctr"/>
-          <a:lstStyle/>
-          <a:p>
-            <a:pPr algn="ctr"/>
-            <a:endParaRPr kumimoji="1" lang="ja-JP" altLang="en-US" dirty="0"/>
-          </a:p>
-        </p:txBody>
-      </p:sp>
-      <p:sp>
-        <p:nvSpPr>
-          <p:cNvPr id="17" name="正方形/長方形 16">
-            <a:extLst>
-              <a:ext uri="{FF2B5EF4-FFF2-40B4-BE49-F238E27FC236}">
-                <a16:creationId xmlns:a16="http://schemas.microsoft.com/office/drawing/2014/main" id="{685231F9-8DFF-4BF3-BA1D-99253DF2EAEE}"/>
-              </a:ext>
-            </a:extLst>
-          </p:cNvPr>
-          <p:cNvSpPr/>
-          <p:nvPr/>
-        </p:nvSpPr>
-        <p:spPr>
-          <a:xfrm>
-            <a:off x="9366142" y="2377439"/>
-            <a:ext cx="2047296" cy="1246909"/>
-          </a:xfrm>
-          <a:prstGeom prst="rect">
-            <a:avLst/>
-          </a:prstGeom>
-          <a:solidFill>
-            <a:schemeClr val="accent1">
-              <a:lumMod val="40000"/>
-              <a:lumOff val="60000"/>
-            </a:schemeClr>
-          </a:solidFill>
-          <a:ln>
-            <a:noFill/>
-          </a:ln>
-        </p:spPr>
-        <p:style>
-          <a:lnRef idx="2">
-            <a:schemeClr val="accent1">
-              <a:shade val="50000"/>
-            </a:schemeClr>
-          </a:lnRef>
-          <a:fillRef idx="1">
-            <a:schemeClr val="accent1"/>
-          </a:fillRef>
-          <a:effectRef idx="0">
-            <a:schemeClr val="accent1"/>
-          </a:effectRef>
-          <a:fontRef idx="minor">
-            <a:schemeClr val="lt1"/>
-          </a:fontRef>
-        </p:style>
-        <p:txBody>
-          <a:bodyPr rtlCol="0" anchor="ctr"/>
-          <a:lstStyle/>
-          <a:p>
-            <a:pPr algn="ctr"/>
-            <a:endParaRPr kumimoji="1" lang="ja-JP" altLang="en-US" dirty="0"/>
-          </a:p>
-        </p:txBody>
-      </p:sp>
       <p:pic>
         <p:nvPicPr>
           <p:cNvPr id="10" name="グラフィックス 9" descr="データベース">
@@ -3540,13 +3430,13 @@
           <p:nvPr/>
         </p:nvPicPr>
         <p:blipFill>
-          <a:blip r:embed="rId4">
+          <a:blip r:embed="rId4" cstate="print">
             <a:extLst>
               <a:ext uri="{28A0092B-C50C-407E-A947-70E740481C1C}">
                 <a14:useLocalDpi xmlns:a14="http://schemas.microsoft.com/office/drawing/2010/main" val="0"/>
               </a:ext>
               <a:ext uri="{96DAC541-7B7A-43D3-8B79-37D633B846F1}">
-                <asvg:svgBlip xmlns:asvg="http://schemas.microsoft.com/office/drawing/2016/SVG/main" r:embed="rId5"/>
+                <asvg:svgBlip xmlns:asvg="http://schemas.microsoft.com/office/drawing/2016/SVG/main" xmlns="" r:embed="rId5"/>
               </a:ext>
             </a:extLst>
           </a:blip>
@@ -3556,85 +3446,7 @@
         </p:blipFill>
         <p:spPr>
           <a:xfrm>
-            <a:off x="4514804" y="2562139"/>
-            <a:ext cx="536400" cy="536400"/>
-          </a:xfrm>
-          <a:prstGeom prst="rect">
-            <a:avLst/>
-          </a:prstGeom>
-        </p:spPr>
-      </p:pic>
-      <p:pic>
-        <p:nvPicPr>
-          <p:cNvPr id="12" name="グラフィックス 11" descr="たき火">
-            <a:extLst>
-              <a:ext uri="{FF2B5EF4-FFF2-40B4-BE49-F238E27FC236}">
-                <a16:creationId xmlns:a16="http://schemas.microsoft.com/office/drawing/2014/main" id="{6D574D6F-FB1A-4675-A1C3-B551BABC76D5}"/>
-              </a:ext>
-            </a:extLst>
-          </p:cNvPr>
-          <p:cNvPicPr>
-            <a:picLocks noChangeAspect="1"/>
-          </p:cNvPicPr>
-          <p:nvPr/>
-        </p:nvPicPr>
-        <p:blipFill>
-          <a:blip r:embed="rId6">
-            <a:extLst>
-              <a:ext uri="{28A0092B-C50C-407E-A947-70E740481C1C}">
-                <a14:useLocalDpi xmlns:a14="http://schemas.microsoft.com/office/drawing/2010/main" val="0"/>
-              </a:ext>
-              <a:ext uri="{96DAC541-7B7A-43D3-8B79-37D633B846F1}">
-                <asvg:svgBlip xmlns:asvg="http://schemas.microsoft.com/office/drawing/2016/SVG/main" r:embed="rId7"/>
-              </a:ext>
-            </a:extLst>
-          </a:blip>
-          <a:stretch>
-            <a:fillRect/>
-          </a:stretch>
-        </p:blipFill>
-        <p:spPr>
-          <a:xfrm>
-            <a:off x="7318197" y="2562139"/>
-            <a:ext cx="536400" cy="536400"/>
-          </a:xfrm>
-          <a:prstGeom prst="rect">
-            <a:avLst/>
-          </a:prstGeom>
-        </p:spPr>
-      </p:pic>
-      <p:pic>
-        <p:nvPicPr>
-          <p:cNvPr id="14" name="グラフィックス 13" descr="ランプ">
-            <a:extLst>
-              <a:ext uri="{FF2B5EF4-FFF2-40B4-BE49-F238E27FC236}">
-                <a16:creationId xmlns:a16="http://schemas.microsoft.com/office/drawing/2014/main" id="{687CC990-7E0A-45B1-9227-B1C780AE60B9}"/>
-              </a:ext>
-            </a:extLst>
-          </p:cNvPr>
-          <p:cNvPicPr>
-            <a:picLocks noChangeAspect="1"/>
-          </p:cNvPicPr>
-          <p:nvPr/>
-        </p:nvPicPr>
-        <p:blipFill>
-          <a:blip r:embed="rId8">
-            <a:extLst>
-              <a:ext uri="{28A0092B-C50C-407E-A947-70E740481C1C}">
-                <a14:useLocalDpi xmlns:a14="http://schemas.microsoft.com/office/drawing/2010/main" val="0"/>
-              </a:ext>
-              <a:ext uri="{96DAC541-7B7A-43D3-8B79-37D633B846F1}">
-                <asvg:svgBlip xmlns:asvg="http://schemas.microsoft.com/office/drawing/2016/SVG/main" r:embed="rId9"/>
-              </a:ext>
-            </a:extLst>
-          </a:blip>
-          <a:stretch>
-            <a:fillRect/>
-          </a:stretch>
-        </p:blipFill>
-        <p:spPr>
-          <a:xfrm>
-            <a:off x="9484026" y="2562139"/>
+            <a:off x="4190608" y="2562139"/>
             <a:ext cx="536400" cy="536400"/>
           </a:xfrm>
           <a:prstGeom prst="rect">
@@ -3656,7 +3468,7 @@
         </p:nvSpPr>
         <p:spPr>
           <a:xfrm>
-            <a:off x="3768451" y="3191517"/>
+            <a:off x="3444255" y="3191517"/>
             <a:ext cx="2047296" cy="338554"/>
           </a:xfrm>
           <a:prstGeom prst="rect">
@@ -3678,156 +3490,374 @@
           </a:p>
         </p:txBody>
       </p:sp>
-      <p:sp>
-        <p:nvSpPr>
-          <p:cNvPr id="19" name="テキスト ボックス 18">
-            <a:extLst>
-              <a:ext uri="{FF2B5EF4-FFF2-40B4-BE49-F238E27FC236}">
-                <a16:creationId xmlns:a16="http://schemas.microsoft.com/office/drawing/2014/main" id="{25042C35-BEA9-4273-8F48-08F1FBF419D5}"/>
-              </a:ext>
-            </a:extLst>
-          </p:cNvPr>
-          <p:cNvSpPr txBox="1"/>
+      <p:grpSp>
+        <p:nvGrpSpPr>
+          <p:cNvPr id="2" name="グループ化 1"/>
+          <p:cNvGrpSpPr/>
           <p:nvPr/>
-        </p:nvSpPr>
-        <p:spPr>
+        </p:nvGrpSpPr>
+        <p:grpSpPr>
           <a:xfrm>
-            <a:off x="6571844" y="3191517"/>
-            <a:ext cx="2047296" cy="338554"/>
+            <a:off x="5914357" y="2377439"/>
+            <a:ext cx="2056391" cy="1246909"/>
+            <a:chOff x="6238553" y="2377439"/>
+            <a:chExt cx="2056391" cy="1246909"/>
           </a:xfrm>
-          <a:prstGeom prst="rect">
-            <a:avLst/>
-          </a:prstGeom>
-          <a:noFill/>
-        </p:spPr>
-        <p:txBody>
-          <a:bodyPr wrap="square" rtlCol="0">
-            <a:spAutoFit/>
-          </a:bodyPr>
-          <a:lstStyle/>
-          <a:p>
-            <a:pPr algn="ctr"/>
-            <a:r>
-              <a:rPr kumimoji="1" lang="ja-JP" altLang="en-US" sz="1600" dirty="0"/>
-              <a:t>発電所</a:t>
-            </a:r>
-          </a:p>
-        </p:txBody>
-      </p:sp>
-      <p:sp>
-        <p:nvSpPr>
-          <p:cNvPr id="20" name="テキスト ボックス 19">
-            <a:extLst>
-              <a:ext uri="{FF2B5EF4-FFF2-40B4-BE49-F238E27FC236}">
-                <a16:creationId xmlns:a16="http://schemas.microsoft.com/office/drawing/2014/main" id="{49C4EF14-BFC3-4FE7-8C38-B769459CC97E}"/>
-              </a:ext>
-            </a:extLst>
-          </p:cNvPr>
-          <p:cNvSpPr txBox="1"/>
+        </p:grpSpPr>
+        <p:sp>
+          <p:nvSpPr>
+            <p:cNvPr id="16" name="正方形/長方形 15">
+              <a:extLst>
+                <a:ext uri="{FF2B5EF4-FFF2-40B4-BE49-F238E27FC236}">
+                  <a16:creationId xmlns:a16="http://schemas.microsoft.com/office/drawing/2014/main" id="{F7893029-90B8-41DC-9E0E-CD32B45D515D}"/>
+                </a:ext>
+              </a:extLst>
+            </p:cNvPr>
+            <p:cNvSpPr/>
+            <p:nvPr/>
+          </p:nvSpPr>
+          <p:spPr>
+            <a:xfrm>
+              <a:off x="6238553" y="2377439"/>
+              <a:ext cx="2047296" cy="1246909"/>
+            </a:xfrm>
+            <a:prstGeom prst="rect">
+              <a:avLst/>
+            </a:prstGeom>
+            <a:solidFill>
+              <a:schemeClr val="accent1">
+                <a:lumMod val="40000"/>
+                <a:lumOff val="60000"/>
+              </a:schemeClr>
+            </a:solidFill>
+            <a:ln>
+              <a:noFill/>
+            </a:ln>
+          </p:spPr>
+          <p:style>
+            <a:lnRef idx="2">
+              <a:schemeClr val="accent1">
+                <a:shade val="50000"/>
+              </a:schemeClr>
+            </a:lnRef>
+            <a:fillRef idx="1">
+              <a:schemeClr val="accent1"/>
+            </a:fillRef>
+            <a:effectRef idx="0">
+              <a:schemeClr val="accent1"/>
+            </a:effectRef>
+            <a:fontRef idx="minor">
+              <a:schemeClr val="lt1"/>
+            </a:fontRef>
+          </p:style>
+          <p:txBody>
+            <a:bodyPr rtlCol="0" anchor="ctr"/>
+            <a:lstStyle/>
+            <a:p>
+              <a:pPr algn="ctr"/>
+              <a:endParaRPr kumimoji="1" lang="ja-JP" altLang="en-US" dirty="0"/>
+            </a:p>
+          </p:txBody>
+        </p:sp>
+        <p:pic>
+          <p:nvPicPr>
+            <p:cNvPr id="12" name="グラフィックス 11" descr="たき火">
+              <a:extLst>
+                <a:ext uri="{FF2B5EF4-FFF2-40B4-BE49-F238E27FC236}">
+                  <a16:creationId xmlns:a16="http://schemas.microsoft.com/office/drawing/2014/main" id="{6D574D6F-FB1A-4675-A1C3-B551BABC76D5}"/>
+                </a:ext>
+              </a:extLst>
+            </p:cNvPr>
+            <p:cNvPicPr>
+              <a:picLocks noChangeAspect="1"/>
+            </p:cNvPicPr>
+            <p:nvPr/>
+          </p:nvPicPr>
+          <p:blipFill>
+            <a:blip r:embed="rId6" cstate="print">
+              <a:extLst>
+                <a:ext uri="{28A0092B-C50C-407E-A947-70E740481C1C}">
+                  <a14:useLocalDpi xmlns:a14="http://schemas.microsoft.com/office/drawing/2010/main" val="0"/>
+                </a:ext>
+                <a:ext uri="{96DAC541-7B7A-43D3-8B79-37D633B846F1}">
+                  <asvg:svgBlip xmlns:asvg="http://schemas.microsoft.com/office/drawing/2016/SVG/main" xmlns="" r:embed="rId7"/>
+                </a:ext>
+              </a:extLst>
+            </a:blip>
+            <a:stretch>
+              <a:fillRect/>
+            </a:stretch>
+          </p:blipFill>
+          <p:spPr>
+            <a:xfrm>
+              <a:off x="6994001" y="2562139"/>
+              <a:ext cx="536400" cy="536400"/>
+            </a:xfrm>
+            <a:prstGeom prst="rect">
+              <a:avLst/>
+            </a:prstGeom>
+          </p:spPr>
+        </p:pic>
+        <p:sp>
+          <p:nvSpPr>
+            <p:cNvPr id="19" name="テキスト ボックス 18">
+              <a:extLst>
+                <a:ext uri="{FF2B5EF4-FFF2-40B4-BE49-F238E27FC236}">
+                  <a16:creationId xmlns:a16="http://schemas.microsoft.com/office/drawing/2014/main" id="{25042C35-BEA9-4273-8F48-08F1FBF419D5}"/>
+                </a:ext>
+              </a:extLst>
+            </p:cNvPr>
+            <p:cNvSpPr txBox="1"/>
+            <p:nvPr/>
+          </p:nvSpPr>
+          <p:spPr>
+            <a:xfrm>
+              <a:off x="6247648" y="3191517"/>
+              <a:ext cx="2047296" cy="338554"/>
+            </a:xfrm>
+            <a:prstGeom prst="rect">
+              <a:avLst/>
+            </a:prstGeom>
+            <a:noFill/>
+          </p:spPr>
+          <p:txBody>
+            <a:bodyPr wrap="square" rtlCol="0">
+              <a:spAutoFit/>
+            </a:bodyPr>
+            <a:lstStyle/>
+            <a:p>
+              <a:pPr algn="ctr"/>
+              <a:r>
+                <a:rPr kumimoji="1" lang="ja-JP" altLang="en-US" sz="1600" dirty="0"/>
+                <a:t>発電所</a:t>
+              </a:r>
+            </a:p>
+          </p:txBody>
+        </p:sp>
+      </p:grpSp>
+      <p:grpSp>
+        <p:nvGrpSpPr>
+          <p:cNvPr id="5" name="グループ化 4"/>
+          <p:cNvGrpSpPr/>
           <p:nvPr/>
-        </p:nvSpPr>
-        <p:spPr>
+        </p:nvGrpSpPr>
+        <p:grpSpPr>
           <a:xfrm>
-            <a:off x="9357047" y="3191517"/>
-            <a:ext cx="2047296" cy="338554"/>
+            <a:off x="8384459" y="2377439"/>
+            <a:ext cx="2056391" cy="1246909"/>
+            <a:chOff x="9032851" y="2377439"/>
+            <a:chExt cx="2056391" cy="1246909"/>
           </a:xfrm>
-          <a:prstGeom prst="rect">
-            <a:avLst/>
-          </a:prstGeom>
-          <a:noFill/>
-        </p:spPr>
-        <p:txBody>
-          <a:bodyPr wrap="square" rtlCol="0">
-            <a:spAutoFit/>
-          </a:bodyPr>
-          <a:lstStyle/>
-          <a:p>
-            <a:pPr algn="ctr"/>
-            <a:r>
-              <a:rPr kumimoji="1" lang="ja-JP" altLang="en-US" sz="1600" dirty="0"/>
-              <a:t>家庭や会社、工場</a:t>
-            </a:r>
-          </a:p>
-        </p:txBody>
-      </p:sp>
-      <p:pic>
-        <p:nvPicPr>
-          <p:cNvPr id="22" name="グラフィックス 21" descr="都市">
-            <a:extLst>
-              <a:ext uri="{FF2B5EF4-FFF2-40B4-BE49-F238E27FC236}">
-                <a16:creationId xmlns:a16="http://schemas.microsoft.com/office/drawing/2014/main" id="{08F58680-3CA8-4E2D-8328-10DA637E9F25}"/>
-              </a:ext>
-            </a:extLst>
-          </p:cNvPr>
-          <p:cNvPicPr>
-            <a:picLocks noChangeAspect="1"/>
-          </p:cNvPicPr>
-          <p:nvPr/>
-        </p:nvPicPr>
-        <p:blipFill>
-          <a:blip r:embed="rId10">
-            <a:extLst>
-              <a:ext uri="{28A0092B-C50C-407E-A947-70E740481C1C}">
-                <a14:useLocalDpi xmlns:a14="http://schemas.microsoft.com/office/drawing/2010/main" val="0"/>
-              </a:ext>
-              <a:ext uri="{96DAC541-7B7A-43D3-8B79-37D633B846F1}">
-                <asvg:svgBlip xmlns:asvg="http://schemas.microsoft.com/office/drawing/2016/SVG/main" r:embed="rId11"/>
-              </a:ext>
-            </a:extLst>
-          </a:blip>
-          <a:stretch>
-            <a:fillRect/>
-          </a:stretch>
-        </p:blipFill>
-        <p:spPr>
-          <a:xfrm>
-            <a:off x="10121590" y="2560840"/>
-            <a:ext cx="536400" cy="536400"/>
-          </a:xfrm>
-          <a:prstGeom prst="rect">
-            <a:avLst/>
-          </a:prstGeom>
-        </p:spPr>
-      </p:pic>
-      <p:pic>
-        <p:nvPicPr>
-          <p:cNvPr id="24" name="グラフィックス 23" descr="工場">
-            <a:extLst>
-              <a:ext uri="{FF2B5EF4-FFF2-40B4-BE49-F238E27FC236}">
-                <a16:creationId xmlns:a16="http://schemas.microsoft.com/office/drawing/2014/main" id="{D47451EA-2A32-4D31-8C64-90D44A85E9AE}"/>
-              </a:ext>
-            </a:extLst>
-          </p:cNvPr>
-          <p:cNvPicPr>
-            <a:picLocks noChangeAspect="1"/>
-          </p:cNvPicPr>
-          <p:nvPr/>
-        </p:nvPicPr>
-        <p:blipFill>
-          <a:blip r:embed="rId12">
-            <a:extLst>
-              <a:ext uri="{28A0092B-C50C-407E-A947-70E740481C1C}">
-                <a14:useLocalDpi xmlns:a14="http://schemas.microsoft.com/office/drawing/2010/main" val="0"/>
-              </a:ext>
-              <a:ext uri="{96DAC541-7B7A-43D3-8B79-37D633B846F1}">
-                <asvg:svgBlip xmlns:asvg="http://schemas.microsoft.com/office/drawing/2016/SVG/main" r:embed="rId13"/>
-              </a:ext>
-            </a:extLst>
-          </a:blip>
-          <a:stretch>
-            <a:fillRect/>
-          </a:stretch>
-        </p:blipFill>
-        <p:spPr>
-          <a:xfrm>
-            <a:off x="10775874" y="2560840"/>
-            <a:ext cx="536400" cy="536400"/>
-          </a:xfrm>
-          <a:prstGeom prst="rect">
-            <a:avLst/>
-          </a:prstGeom>
-        </p:spPr>
-      </p:pic>
+        </p:grpSpPr>
+        <p:sp>
+          <p:nvSpPr>
+            <p:cNvPr id="17" name="正方形/長方形 16">
+              <a:extLst>
+                <a:ext uri="{FF2B5EF4-FFF2-40B4-BE49-F238E27FC236}">
+                  <a16:creationId xmlns:a16="http://schemas.microsoft.com/office/drawing/2014/main" id="{685231F9-8DFF-4BF3-BA1D-99253DF2EAEE}"/>
+                </a:ext>
+              </a:extLst>
+            </p:cNvPr>
+            <p:cNvSpPr/>
+            <p:nvPr/>
+          </p:nvSpPr>
+          <p:spPr>
+            <a:xfrm>
+              <a:off x="9041946" y="2377439"/>
+              <a:ext cx="2047296" cy="1246909"/>
+            </a:xfrm>
+            <a:prstGeom prst="rect">
+              <a:avLst/>
+            </a:prstGeom>
+            <a:solidFill>
+              <a:schemeClr val="accent1">
+                <a:lumMod val="40000"/>
+                <a:lumOff val="60000"/>
+              </a:schemeClr>
+            </a:solidFill>
+            <a:ln>
+              <a:noFill/>
+            </a:ln>
+          </p:spPr>
+          <p:style>
+            <a:lnRef idx="2">
+              <a:schemeClr val="accent1">
+                <a:shade val="50000"/>
+              </a:schemeClr>
+            </a:lnRef>
+            <a:fillRef idx="1">
+              <a:schemeClr val="accent1"/>
+            </a:fillRef>
+            <a:effectRef idx="0">
+              <a:schemeClr val="accent1"/>
+            </a:effectRef>
+            <a:fontRef idx="minor">
+              <a:schemeClr val="lt1"/>
+            </a:fontRef>
+          </p:style>
+          <p:txBody>
+            <a:bodyPr rtlCol="0" anchor="ctr"/>
+            <a:lstStyle/>
+            <a:p>
+              <a:pPr algn="ctr"/>
+              <a:endParaRPr kumimoji="1" lang="ja-JP" altLang="en-US" dirty="0"/>
+            </a:p>
+          </p:txBody>
+        </p:sp>
+        <p:pic>
+          <p:nvPicPr>
+            <p:cNvPr id="14" name="グラフィックス 13" descr="ランプ">
+              <a:extLst>
+                <a:ext uri="{FF2B5EF4-FFF2-40B4-BE49-F238E27FC236}">
+                  <a16:creationId xmlns:a16="http://schemas.microsoft.com/office/drawing/2014/main" id="{687CC990-7E0A-45B1-9227-B1C780AE60B9}"/>
+                </a:ext>
+              </a:extLst>
+            </p:cNvPr>
+            <p:cNvPicPr>
+              <a:picLocks noChangeAspect="1"/>
+            </p:cNvPicPr>
+            <p:nvPr/>
+          </p:nvPicPr>
+          <p:blipFill>
+            <a:blip r:embed="rId8" cstate="print">
+              <a:extLst>
+                <a:ext uri="{28A0092B-C50C-407E-A947-70E740481C1C}">
+                  <a14:useLocalDpi xmlns:a14="http://schemas.microsoft.com/office/drawing/2010/main" val="0"/>
+                </a:ext>
+                <a:ext uri="{96DAC541-7B7A-43D3-8B79-37D633B846F1}">
+                  <asvg:svgBlip xmlns:asvg="http://schemas.microsoft.com/office/drawing/2016/SVG/main" xmlns="" r:embed="rId9"/>
+                </a:ext>
+              </a:extLst>
+            </a:blip>
+            <a:stretch>
+              <a:fillRect/>
+            </a:stretch>
+          </p:blipFill>
+          <p:spPr>
+            <a:xfrm>
+              <a:off x="9159830" y="2562139"/>
+              <a:ext cx="536400" cy="536400"/>
+            </a:xfrm>
+            <a:prstGeom prst="rect">
+              <a:avLst/>
+            </a:prstGeom>
+          </p:spPr>
+        </p:pic>
+        <p:sp>
+          <p:nvSpPr>
+            <p:cNvPr id="20" name="テキスト ボックス 19">
+              <a:extLst>
+                <a:ext uri="{FF2B5EF4-FFF2-40B4-BE49-F238E27FC236}">
+                  <a16:creationId xmlns:a16="http://schemas.microsoft.com/office/drawing/2014/main" id="{49C4EF14-BFC3-4FE7-8C38-B769459CC97E}"/>
+                </a:ext>
+              </a:extLst>
+            </p:cNvPr>
+            <p:cNvSpPr txBox="1"/>
+            <p:nvPr/>
+          </p:nvSpPr>
+          <p:spPr>
+            <a:xfrm>
+              <a:off x="9032851" y="3191517"/>
+              <a:ext cx="2047296" cy="338554"/>
+            </a:xfrm>
+            <a:prstGeom prst="rect">
+              <a:avLst/>
+            </a:prstGeom>
+            <a:noFill/>
+          </p:spPr>
+          <p:txBody>
+            <a:bodyPr wrap="square" rtlCol="0">
+              <a:spAutoFit/>
+            </a:bodyPr>
+            <a:lstStyle/>
+            <a:p>
+              <a:pPr algn="ctr"/>
+              <a:r>
+                <a:rPr kumimoji="1" lang="ja-JP" altLang="en-US" sz="1600" dirty="0"/>
+                <a:t>家庭や会社、工場</a:t>
+              </a:r>
+            </a:p>
+          </p:txBody>
+        </p:sp>
+        <p:pic>
+          <p:nvPicPr>
+            <p:cNvPr id="22" name="グラフィックス 21" descr="都市">
+              <a:extLst>
+                <a:ext uri="{FF2B5EF4-FFF2-40B4-BE49-F238E27FC236}">
+                  <a16:creationId xmlns:a16="http://schemas.microsoft.com/office/drawing/2014/main" id="{08F58680-3CA8-4E2D-8328-10DA637E9F25}"/>
+                </a:ext>
+              </a:extLst>
+            </p:cNvPr>
+            <p:cNvPicPr>
+              <a:picLocks noChangeAspect="1"/>
+            </p:cNvPicPr>
+            <p:nvPr/>
+          </p:nvPicPr>
+          <p:blipFill>
+            <a:blip r:embed="rId10" cstate="print">
+              <a:extLst>
+                <a:ext uri="{28A0092B-C50C-407E-A947-70E740481C1C}">
+                  <a14:useLocalDpi xmlns:a14="http://schemas.microsoft.com/office/drawing/2010/main" val="0"/>
+                </a:ext>
+                <a:ext uri="{96DAC541-7B7A-43D3-8B79-37D633B846F1}">
+                  <asvg:svgBlip xmlns:asvg="http://schemas.microsoft.com/office/drawing/2016/SVG/main" xmlns="" r:embed="rId11"/>
+                </a:ext>
+              </a:extLst>
+            </a:blip>
+            <a:stretch>
+              <a:fillRect/>
+            </a:stretch>
+          </p:blipFill>
+          <p:spPr>
+            <a:xfrm>
+              <a:off x="9797394" y="2560840"/>
+              <a:ext cx="536400" cy="536400"/>
+            </a:xfrm>
+            <a:prstGeom prst="rect">
+              <a:avLst/>
+            </a:prstGeom>
+          </p:spPr>
+        </p:pic>
+        <p:pic>
+          <p:nvPicPr>
+            <p:cNvPr id="24" name="グラフィックス 23" descr="工場">
+              <a:extLst>
+                <a:ext uri="{FF2B5EF4-FFF2-40B4-BE49-F238E27FC236}">
+                  <a16:creationId xmlns:a16="http://schemas.microsoft.com/office/drawing/2014/main" id="{D47451EA-2A32-4D31-8C64-90D44A85E9AE}"/>
+                </a:ext>
+              </a:extLst>
+            </p:cNvPr>
+            <p:cNvPicPr>
+              <a:picLocks noChangeAspect="1"/>
+            </p:cNvPicPr>
+            <p:nvPr/>
+          </p:nvPicPr>
+          <p:blipFill>
+            <a:blip r:embed="rId12" cstate="print">
+              <a:extLst>
+                <a:ext uri="{28A0092B-C50C-407E-A947-70E740481C1C}">
+                  <a14:useLocalDpi xmlns:a14="http://schemas.microsoft.com/office/drawing/2010/main" val="0"/>
+                </a:ext>
+                <a:ext uri="{96DAC541-7B7A-43D3-8B79-37D633B846F1}">
+                  <asvg:svgBlip xmlns:asvg="http://schemas.microsoft.com/office/drawing/2016/SVG/main" xmlns="" r:embed="rId13"/>
+                </a:ext>
+              </a:extLst>
+            </a:blip>
+            <a:stretch>
+              <a:fillRect/>
+            </a:stretch>
+          </p:blipFill>
+          <p:spPr>
+            <a:xfrm>
+              <a:off x="10451678" y="2560840"/>
+              <a:ext cx="536400" cy="536400"/>
+            </a:xfrm>
+            <a:prstGeom prst="rect">
+              <a:avLst/>
+            </a:prstGeom>
+          </p:spPr>
+        </p:pic>
+      </p:grpSp>
       <p:sp>
         <p:nvSpPr>
           <p:cNvPr id="25" name="矢印: 右 24">
@@ -3897,7 +3927,7 @@
         </p:nvSpPr>
         <p:spPr>
           <a:xfrm>
-            <a:off x="5815747" y="2869014"/>
+            <a:off x="5491551" y="2869014"/>
             <a:ext cx="755448" cy="263758"/>
           </a:xfrm>
           <a:prstGeom prst="rightArrow">
@@ -3952,7 +3982,7 @@
         </p:nvSpPr>
         <p:spPr>
           <a:xfrm>
-            <a:off x="8601599" y="2869014"/>
+            <a:off x="7973608" y="2862289"/>
             <a:ext cx="755448" cy="263758"/>
           </a:xfrm>
           <a:prstGeom prst="rightArrow">
